--- a/Präsentationen/4. Vortrag.pptx
+++ b/Präsentationen/4. Vortrag.pptx
@@ -5,7 +5,7 @@
     <p:sldMasterId id="2147483660" r:id="rId1"/>
   </p:sldMasterIdLst>
   <p:notesMasterIdLst>
-    <p:notesMasterId r:id="rId16"/>
+    <p:notesMasterId r:id="rId17"/>
   </p:notesMasterIdLst>
   <p:sldIdLst>
     <p:sldId id="256" r:id="rId2"/>
@@ -19,9 +19,10 @@
     <p:sldId id="275" r:id="rId10"/>
     <p:sldId id="276" r:id="rId11"/>
     <p:sldId id="277" r:id="rId12"/>
-    <p:sldId id="279" r:id="rId13"/>
-    <p:sldId id="264" r:id="rId14"/>
-    <p:sldId id="266" r:id="rId15"/>
+    <p:sldId id="282" r:id="rId13"/>
+    <p:sldId id="279" r:id="rId14"/>
+    <p:sldId id="264" r:id="rId15"/>
+    <p:sldId id="266" r:id="rId16"/>
   </p:sldIdLst>
   <p:sldSz cx="12192000" cy="6858000"/>
   <p:notesSz cx="6858000" cy="9144000"/>
@@ -2370,6 +2371,753 @@
 </file>
 
 <file path=ppt/diagrams/colors4.xml><?xml version="1.0" encoding="utf-8"?>
+<dgm:colorsDef xmlns:dgm="http://schemas.openxmlformats.org/drawingml/2006/diagram" xmlns:a="http://schemas.openxmlformats.org/drawingml/2006/main" uniqueId="urn:microsoft.com/office/officeart/2005/8/colors/accent1_2">
+  <dgm:title val=""/>
+  <dgm:desc val=""/>
+  <dgm:catLst>
+    <dgm:cat type="accent1" pri="11200"/>
+  </dgm:catLst>
+  <dgm:styleLbl name="node0">
+    <dgm:fillClrLst meth="repeat">
+      <a:schemeClr val="accent1"/>
+    </dgm:fillClrLst>
+    <dgm:linClrLst meth="repeat">
+      <a:schemeClr val="lt1"/>
+    </dgm:linClrLst>
+    <dgm:effectClrLst/>
+    <dgm:txLinClrLst/>
+    <dgm:txFillClrLst/>
+    <dgm:txEffectClrLst/>
+  </dgm:styleLbl>
+  <dgm:styleLbl name="alignNode1">
+    <dgm:fillClrLst meth="repeat">
+      <a:schemeClr val="accent1"/>
+    </dgm:fillClrLst>
+    <dgm:linClrLst meth="repeat">
+      <a:schemeClr val="accent1"/>
+    </dgm:linClrLst>
+    <dgm:effectClrLst/>
+    <dgm:txLinClrLst/>
+    <dgm:txFillClrLst/>
+    <dgm:txEffectClrLst/>
+  </dgm:styleLbl>
+  <dgm:styleLbl name="node1">
+    <dgm:fillClrLst meth="repeat">
+      <a:schemeClr val="accent1"/>
+    </dgm:fillClrLst>
+    <dgm:linClrLst meth="repeat">
+      <a:schemeClr val="lt1"/>
+    </dgm:linClrLst>
+    <dgm:effectClrLst/>
+    <dgm:txLinClrLst/>
+    <dgm:txFillClrLst/>
+    <dgm:txEffectClrLst/>
+  </dgm:styleLbl>
+  <dgm:styleLbl name="lnNode1">
+    <dgm:fillClrLst meth="repeat">
+      <a:schemeClr val="accent1"/>
+    </dgm:fillClrLst>
+    <dgm:linClrLst meth="repeat">
+      <a:schemeClr val="lt1"/>
+    </dgm:linClrLst>
+    <dgm:effectClrLst/>
+    <dgm:txLinClrLst/>
+    <dgm:txFillClrLst/>
+    <dgm:txEffectClrLst/>
+  </dgm:styleLbl>
+  <dgm:styleLbl name="vennNode1">
+    <dgm:fillClrLst meth="repeat">
+      <a:schemeClr val="accent1">
+        <a:alpha val="50000"/>
+      </a:schemeClr>
+    </dgm:fillClrLst>
+    <dgm:linClrLst meth="repeat">
+      <a:schemeClr val="lt1"/>
+    </dgm:linClrLst>
+    <dgm:effectClrLst/>
+    <dgm:txLinClrLst/>
+    <dgm:txFillClrLst/>
+    <dgm:txEffectClrLst/>
+  </dgm:styleLbl>
+  <dgm:styleLbl name="node2">
+    <dgm:fillClrLst meth="repeat">
+      <a:schemeClr val="accent1"/>
+    </dgm:fillClrLst>
+    <dgm:linClrLst meth="repeat">
+      <a:schemeClr val="lt1"/>
+    </dgm:linClrLst>
+    <dgm:effectClrLst/>
+    <dgm:txLinClrLst/>
+    <dgm:txFillClrLst/>
+    <dgm:txEffectClrLst/>
+  </dgm:styleLbl>
+  <dgm:styleLbl name="node3">
+    <dgm:fillClrLst meth="repeat">
+      <a:schemeClr val="accent1"/>
+    </dgm:fillClrLst>
+    <dgm:linClrLst meth="repeat">
+      <a:schemeClr val="lt1"/>
+    </dgm:linClrLst>
+    <dgm:effectClrLst/>
+    <dgm:txLinClrLst/>
+    <dgm:txFillClrLst/>
+    <dgm:txEffectClrLst/>
+  </dgm:styleLbl>
+  <dgm:styleLbl name="node4">
+    <dgm:fillClrLst meth="repeat">
+      <a:schemeClr val="accent1"/>
+    </dgm:fillClrLst>
+    <dgm:linClrLst meth="repeat">
+      <a:schemeClr val="lt1"/>
+    </dgm:linClrLst>
+    <dgm:effectClrLst/>
+    <dgm:txLinClrLst/>
+    <dgm:txFillClrLst/>
+    <dgm:txEffectClrLst/>
+  </dgm:styleLbl>
+  <dgm:styleLbl name="fgImgPlace1">
+    <dgm:fillClrLst meth="repeat">
+      <a:schemeClr val="accent1">
+        <a:tint val="50000"/>
+      </a:schemeClr>
+    </dgm:fillClrLst>
+    <dgm:linClrLst meth="repeat">
+      <a:schemeClr val="lt1"/>
+    </dgm:linClrLst>
+    <dgm:effectClrLst/>
+    <dgm:txLinClrLst/>
+    <dgm:txFillClrLst meth="repeat">
+      <a:schemeClr val="lt1"/>
+    </dgm:txFillClrLst>
+    <dgm:txEffectClrLst/>
+  </dgm:styleLbl>
+  <dgm:styleLbl name="alignImgPlace1">
+    <dgm:fillClrLst meth="repeat">
+      <a:schemeClr val="accent1">
+        <a:tint val="50000"/>
+      </a:schemeClr>
+    </dgm:fillClrLst>
+    <dgm:linClrLst meth="repeat">
+      <a:schemeClr val="lt1"/>
+    </dgm:linClrLst>
+    <dgm:effectClrLst/>
+    <dgm:txLinClrLst/>
+    <dgm:txFillClrLst meth="repeat">
+      <a:schemeClr val="lt1"/>
+    </dgm:txFillClrLst>
+    <dgm:txEffectClrLst/>
+  </dgm:styleLbl>
+  <dgm:styleLbl name="bgImgPlace1">
+    <dgm:fillClrLst meth="repeat">
+      <a:schemeClr val="accent1">
+        <a:tint val="50000"/>
+      </a:schemeClr>
+    </dgm:fillClrLst>
+    <dgm:linClrLst meth="repeat">
+      <a:schemeClr val="lt1"/>
+    </dgm:linClrLst>
+    <dgm:effectClrLst/>
+    <dgm:txLinClrLst/>
+    <dgm:txFillClrLst meth="repeat">
+      <a:schemeClr val="lt1"/>
+    </dgm:txFillClrLst>
+    <dgm:txEffectClrLst/>
+  </dgm:styleLbl>
+  <dgm:styleLbl name="sibTrans2D1">
+    <dgm:fillClrLst meth="repeat">
+      <a:schemeClr val="accent1">
+        <a:tint val="60000"/>
+      </a:schemeClr>
+    </dgm:fillClrLst>
+    <dgm:linClrLst meth="repeat">
+      <a:schemeClr val="accent1">
+        <a:tint val="60000"/>
+      </a:schemeClr>
+    </dgm:linClrLst>
+    <dgm:effectClrLst/>
+    <dgm:txLinClrLst/>
+    <dgm:txFillClrLst/>
+    <dgm:txEffectClrLst/>
+  </dgm:styleLbl>
+  <dgm:styleLbl name="fgSibTrans2D1">
+    <dgm:fillClrLst meth="repeat">
+      <a:schemeClr val="accent1">
+        <a:tint val="60000"/>
+      </a:schemeClr>
+    </dgm:fillClrLst>
+    <dgm:linClrLst meth="repeat">
+      <a:schemeClr val="accent1">
+        <a:tint val="60000"/>
+      </a:schemeClr>
+    </dgm:linClrLst>
+    <dgm:effectClrLst/>
+    <dgm:txLinClrLst/>
+    <dgm:txFillClrLst/>
+    <dgm:txEffectClrLst/>
+  </dgm:styleLbl>
+  <dgm:styleLbl name="bgSibTrans2D1">
+    <dgm:fillClrLst meth="repeat">
+      <a:schemeClr val="accent1">
+        <a:tint val="60000"/>
+      </a:schemeClr>
+    </dgm:fillClrLst>
+    <dgm:linClrLst meth="repeat">
+      <a:schemeClr val="accent1">
+        <a:tint val="60000"/>
+      </a:schemeClr>
+    </dgm:linClrLst>
+    <dgm:effectClrLst/>
+    <dgm:txLinClrLst/>
+    <dgm:txFillClrLst/>
+    <dgm:txEffectClrLst/>
+  </dgm:styleLbl>
+  <dgm:styleLbl name="sibTrans1D1">
+    <dgm:fillClrLst meth="repeat">
+      <a:schemeClr val="accent1"/>
+    </dgm:fillClrLst>
+    <dgm:linClrLst meth="repeat">
+      <a:schemeClr val="accent1"/>
+    </dgm:linClrLst>
+    <dgm:effectClrLst/>
+    <dgm:txLinClrLst/>
+    <dgm:txFillClrLst meth="repeat">
+      <a:schemeClr val="tx1"/>
+    </dgm:txFillClrLst>
+    <dgm:txEffectClrLst/>
+  </dgm:styleLbl>
+  <dgm:styleLbl name="callout">
+    <dgm:fillClrLst meth="repeat">
+      <a:schemeClr val="accent1"/>
+    </dgm:fillClrLst>
+    <dgm:linClrLst meth="repeat">
+      <a:schemeClr val="accent1">
+        <a:tint val="50000"/>
+      </a:schemeClr>
+    </dgm:linClrLst>
+    <dgm:effectClrLst/>
+    <dgm:txLinClrLst/>
+    <dgm:txFillClrLst meth="repeat">
+      <a:schemeClr val="tx1"/>
+    </dgm:txFillClrLst>
+    <dgm:txEffectClrLst/>
+  </dgm:styleLbl>
+  <dgm:styleLbl name="asst0">
+    <dgm:fillClrLst meth="repeat">
+      <a:schemeClr val="accent1"/>
+    </dgm:fillClrLst>
+    <dgm:linClrLst meth="repeat">
+      <a:schemeClr val="lt1"/>
+    </dgm:linClrLst>
+    <dgm:effectClrLst/>
+    <dgm:txLinClrLst/>
+    <dgm:txFillClrLst/>
+    <dgm:txEffectClrLst/>
+  </dgm:styleLbl>
+  <dgm:styleLbl name="asst1">
+    <dgm:fillClrLst meth="repeat">
+      <a:schemeClr val="accent1"/>
+    </dgm:fillClrLst>
+    <dgm:linClrLst meth="repeat">
+      <a:schemeClr val="lt1"/>
+    </dgm:linClrLst>
+    <dgm:effectClrLst/>
+    <dgm:txLinClrLst/>
+    <dgm:txFillClrLst/>
+    <dgm:txEffectClrLst/>
+  </dgm:styleLbl>
+  <dgm:styleLbl name="asst2">
+    <dgm:fillClrLst meth="repeat">
+      <a:schemeClr val="accent1"/>
+    </dgm:fillClrLst>
+    <dgm:linClrLst meth="repeat">
+      <a:schemeClr val="lt1"/>
+    </dgm:linClrLst>
+    <dgm:effectClrLst/>
+    <dgm:txLinClrLst/>
+    <dgm:txFillClrLst/>
+    <dgm:txEffectClrLst/>
+  </dgm:styleLbl>
+  <dgm:styleLbl name="asst3">
+    <dgm:fillClrLst meth="repeat">
+      <a:schemeClr val="accent1"/>
+    </dgm:fillClrLst>
+    <dgm:linClrLst meth="repeat">
+      <a:schemeClr val="lt1"/>
+    </dgm:linClrLst>
+    <dgm:effectClrLst/>
+    <dgm:txLinClrLst/>
+    <dgm:txFillClrLst/>
+    <dgm:txEffectClrLst/>
+  </dgm:styleLbl>
+  <dgm:styleLbl name="asst4">
+    <dgm:fillClrLst meth="repeat">
+      <a:schemeClr val="accent1"/>
+    </dgm:fillClrLst>
+    <dgm:linClrLst meth="repeat">
+      <a:schemeClr val="lt1"/>
+    </dgm:linClrLst>
+    <dgm:effectClrLst/>
+    <dgm:txLinClrLst/>
+    <dgm:txFillClrLst/>
+    <dgm:txEffectClrLst/>
+  </dgm:styleLbl>
+  <dgm:styleLbl name="parChTrans2D1">
+    <dgm:fillClrLst meth="repeat">
+      <a:schemeClr val="accent1">
+        <a:tint val="60000"/>
+      </a:schemeClr>
+    </dgm:fillClrLst>
+    <dgm:linClrLst meth="repeat">
+      <a:schemeClr val="accent1">
+        <a:tint val="60000"/>
+      </a:schemeClr>
+    </dgm:linClrLst>
+    <dgm:effectClrLst/>
+    <dgm:txLinClrLst/>
+    <dgm:txFillClrLst meth="repeat">
+      <a:schemeClr val="lt1"/>
+    </dgm:txFillClrLst>
+    <dgm:txEffectClrLst/>
+  </dgm:styleLbl>
+  <dgm:styleLbl name="parChTrans2D2">
+    <dgm:fillClrLst meth="repeat">
+      <a:schemeClr val="accent1"/>
+    </dgm:fillClrLst>
+    <dgm:linClrLst meth="repeat">
+      <a:schemeClr val="accent1"/>
+    </dgm:linClrLst>
+    <dgm:effectClrLst/>
+    <dgm:txLinClrLst/>
+    <dgm:txFillClrLst meth="repeat">
+      <a:schemeClr val="lt1"/>
+    </dgm:txFillClrLst>
+    <dgm:txEffectClrLst/>
+  </dgm:styleLbl>
+  <dgm:styleLbl name="parChTrans2D3">
+    <dgm:fillClrLst meth="repeat">
+      <a:schemeClr val="accent1"/>
+    </dgm:fillClrLst>
+    <dgm:linClrLst meth="repeat">
+      <a:schemeClr val="accent1"/>
+    </dgm:linClrLst>
+    <dgm:effectClrLst/>
+    <dgm:txLinClrLst/>
+    <dgm:txFillClrLst meth="repeat">
+      <a:schemeClr val="lt1"/>
+    </dgm:txFillClrLst>
+    <dgm:txEffectClrLst/>
+  </dgm:styleLbl>
+  <dgm:styleLbl name="parChTrans2D4">
+    <dgm:fillClrLst meth="repeat">
+      <a:schemeClr val="accent1"/>
+    </dgm:fillClrLst>
+    <dgm:linClrLst meth="repeat">
+      <a:schemeClr val="accent1"/>
+    </dgm:linClrLst>
+    <dgm:effectClrLst/>
+    <dgm:txLinClrLst/>
+    <dgm:txFillClrLst meth="repeat">
+      <a:schemeClr val="lt1"/>
+    </dgm:txFillClrLst>
+    <dgm:txEffectClrLst/>
+  </dgm:styleLbl>
+  <dgm:styleLbl name="parChTrans1D1">
+    <dgm:fillClrLst meth="repeat">
+      <a:schemeClr val="accent1"/>
+    </dgm:fillClrLst>
+    <dgm:linClrLst meth="repeat">
+      <a:schemeClr val="accent1">
+        <a:shade val="60000"/>
+      </a:schemeClr>
+    </dgm:linClrLst>
+    <dgm:effectClrLst/>
+    <dgm:txLinClrLst/>
+    <dgm:txFillClrLst meth="repeat">
+      <a:schemeClr val="tx1"/>
+    </dgm:txFillClrLst>
+    <dgm:txEffectClrLst/>
+  </dgm:styleLbl>
+  <dgm:styleLbl name="parChTrans1D2">
+    <dgm:fillClrLst meth="repeat">
+      <a:schemeClr val="accent1"/>
+    </dgm:fillClrLst>
+    <dgm:linClrLst meth="repeat">
+      <a:schemeClr val="accent1">
+        <a:shade val="60000"/>
+      </a:schemeClr>
+    </dgm:linClrLst>
+    <dgm:effectClrLst/>
+    <dgm:txLinClrLst/>
+    <dgm:txFillClrLst meth="repeat">
+      <a:schemeClr val="tx1"/>
+    </dgm:txFillClrLst>
+    <dgm:txEffectClrLst/>
+  </dgm:styleLbl>
+  <dgm:styleLbl name="parChTrans1D3">
+    <dgm:fillClrLst meth="repeat">
+      <a:schemeClr val="accent1"/>
+    </dgm:fillClrLst>
+    <dgm:linClrLst meth="repeat">
+      <a:schemeClr val="accent1">
+        <a:shade val="80000"/>
+      </a:schemeClr>
+    </dgm:linClrLst>
+    <dgm:effectClrLst/>
+    <dgm:txLinClrLst/>
+    <dgm:txFillClrLst meth="repeat">
+      <a:schemeClr val="tx1"/>
+    </dgm:txFillClrLst>
+    <dgm:txEffectClrLst/>
+  </dgm:styleLbl>
+  <dgm:styleLbl name="parChTrans1D4">
+    <dgm:fillClrLst meth="repeat">
+      <a:schemeClr val="accent1"/>
+    </dgm:fillClrLst>
+    <dgm:linClrLst meth="repeat">
+      <a:schemeClr val="accent1">
+        <a:shade val="80000"/>
+      </a:schemeClr>
+    </dgm:linClrLst>
+    <dgm:effectClrLst/>
+    <dgm:txLinClrLst/>
+    <dgm:txFillClrLst meth="repeat">
+      <a:schemeClr val="tx1"/>
+    </dgm:txFillClrLst>
+    <dgm:txEffectClrLst/>
+  </dgm:styleLbl>
+  <dgm:styleLbl name="fgAcc1">
+    <dgm:fillClrLst meth="repeat">
+      <a:schemeClr val="lt1">
+        <a:alpha val="90000"/>
+      </a:schemeClr>
+    </dgm:fillClrLst>
+    <dgm:linClrLst meth="repeat">
+      <a:schemeClr val="accent1"/>
+    </dgm:linClrLst>
+    <dgm:effectClrLst/>
+    <dgm:txLinClrLst/>
+    <dgm:txFillClrLst meth="repeat">
+      <a:schemeClr val="dk1"/>
+    </dgm:txFillClrLst>
+    <dgm:txEffectClrLst/>
+  </dgm:styleLbl>
+  <dgm:styleLbl name="conFgAcc1">
+    <dgm:fillClrLst meth="repeat">
+      <a:schemeClr val="lt1">
+        <a:alpha val="90000"/>
+      </a:schemeClr>
+    </dgm:fillClrLst>
+    <dgm:linClrLst meth="repeat">
+      <a:schemeClr val="accent1"/>
+    </dgm:linClrLst>
+    <dgm:effectClrLst/>
+    <dgm:txLinClrLst/>
+    <dgm:txFillClrLst meth="repeat">
+      <a:schemeClr val="dk1"/>
+    </dgm:txFillClrLst>
+    <dgm:txEffectClrLst/>
+  </dgm:styleLbl>
+  <dgm:styleLbl name="alignAcc1">
+    <dgm:fillClrLst meth="repeat">
+      <a:schemeClr val="lt1">
+        <a:alpha val="90000"/>
+      </a:schemeClr>
+    </dgm:fillClrLst>
+    <dgm:linClrLst meth="repeat">
+      <a:schemeClr val="accent1"/>
+    </dgm:linClrLst>
+    <dgm:effectClrLst/>
+    <dgm:txLinClrLst/>
+    <dgm:txFillClrLst meth="repeat">
+      <a:schemeClr val="dk1"/>
+    </dgm:txFillClrLst>
+    <dgm:txEffectClrLst/>
+  </dgm:styleLbl>
+  <dgm:styleLbl name="trAlignAcc1">
+    <dgm:fillClrLst meth="repeat">
+      <a:schemeClr val="lt1">
+        <a:alpha val="40000"/>
+      </a:schemeClr>
+    </dgm:fillClrLst>
+    <dgm:linClrLst meth="repeat">
+      <a:schemeClr val="accent1"/>
+    </dgm:linClrLst>
+    <dgm:effectClrLst/>
+    <dgm:txLinClrLst/>
+    <dgm:txFillClrLst meth="repeat">
+      <a:schemeClr val="dk1"/>
+    </dgm:txFillClrLst>
+    <dgm:txEffectClrLst/>
+  </dgm:styleLbl>
+  <dgm:styleLbl name="bgAcc1">
+    <dgm:fillClrLst meth="repeat">
+      <a:schemeClr val="lt1">
+        <a:alpha val="90000"/>
+      </a:schemeClr>
+    </dgm:fillClrLst>
+    <dgm:linClrLst meth="repeat">
+      <a:schemeClr val="accent1"/>
+    </dgm:linClrLst>
+    <dgm:effectClrLst/>
+    <dgm:txLinClrLst/>
+    <dgm:txFillClrLst meth="repeat">
+      <a:schemeClr val="dk1"/>
+    </dgm:txFillClrLst>
+    <dgm:txEffectClrLst/>
+  </dgm:styleLbl>
+  <dgm:styleLbl name="solidFgAcc1">
+    <dgm:fillClrLst meth="repeat">
+      <a:schemeClr val="lt1"/>
+    </dgm:fillClrLst>
+    <dgm:linClrLst meth="repeat">
+      <a:schemeClr val="accent1"/>
+    </dgm:linClrLst>
+    <dgm:effectClrLst/>
+    <dgm:txLinClrLst/>
+    <dgm:txFillClrLst meth="repeat">
+      <a:schemeClr val="dk1"/>
+    </dgm:txFillClrLst>
+    <dgm:txEffectClrLst/>
+  </dgm:styleLbl>
+  <dgm:styleLbl name="solidAlignAcc1">
+    <dgm:fillClrLst meth="repeat">
+      <a:schemeClr val="lt1"/>
+    </dgm:fillClrLst>
+    <dgm:linClrLst meth="repeat">
+      <a:schemeClr val="accent1"/>
+    </dgm:linClrLst>
+    <dgm:effectClrLst/>
+    <dgm:txLinClrLst/>
+    <dgm:txFillClrLst meth="repeat">
+      <a:schemeClr val="dk1"/>
+    </dgm:txFillClrLst>
+    <dgm:txEffectClrLst/>
+  </dgm:styleLbl>
+  <dgm:styleLbl name="solidBgAcc1">
+    <dgm:fillClrLst meth="repeat">
+      <a:schemeClr val="lt1"/>
+    </dgm:fillClrLst>
+    <dgm:linClrLst meth="repeat">
+      <a:schemeClr val="accent1"/>
+    </dgm:linClrLst>
+    <dgm:effectClrLst/>
+    <dgm:txLinClrLst/>
+    <dgm:txFillClrLst meth="repeat">
+      <a:schemeClr val="dk1"/>
+    </dgm:txFillClrLst>
+    <dgm:txEffectClrLst/>
+  </dgm:styleLbl>
+  <dgm:styleLbl name="fgAccFollowNode1">
+    <dgm:fillClrLst meth="repeat">
+      <a:schemeClr val="accent1">
+        <a:alpha val="90000"/>
+        <a:tint val="40000"/>
+      </a:schemeClr>
+    </dgm:fillClrLst>
+    <dgm:linClrLst meth="repeat">
+      <a:schemeClr val="accent1">
+        <a:alpha val="90000"/>
+        <a:tint val="40000"/>
+      </a:schemeClr>
+    </dgm:linClrLst>
+    <dgm:effectClrLst/>
+    <dgm:txLinClrLst/>
+    <dgm:txFillClrLst meth="repeat">
+      <a:schemeClr val="dk1"/>
+    </dgm:txFillClrLst>
+    <dgm:txEffectClrLst/>
+  </dgm:styleLbl>
+  <dgm:styleLbl name="alignAccFollowNode1">
+    <dgm:fillClrLst meth="repeat">
+      <a:schemeClr val="accent1">
+        <a:alpha val="90000"/>
+        <a:tint val="40000"/>
+      </a:schemeClr>
+    </dgm:fillClrLst>
+    <dgm:linClrLst meth="repeat">
+      <a:schemeClr val="accent1">
+        <a:alpha val="90000"/>
+        <a:tint val="40000"/>
+      </a:schemeClr>
+    </dgm:linClrLst>
+    <dgm:effectClrLst/>
+    <dgm:txLinClrLst/>
+    <dgm:txFillClrLst meth="repeat">
+      <a:schemeClr val="dk1"/>
+    </dgm:txFillClrLst>
+    <dgm:txEffectClrLst/>
+  </dgm:styleLbl>
+  <dgm:styleLbl name="bgAccFollowNode1">
+    <dgm:fillClrLst meth="repeat">
+      <a:schemeClr val="accent1">
+        <a:alpha val="90000"/>
+        <a:tint val="40000"/>
+      </a:schemeClr>
+    </dgm:fillClrLst>
+    <dgm:linClrLst meth="repeat">
+      <a:schemeClr val="accent1">
+        <a:alpha val="90000"/>
+        <a:tint val="40000"/>
+      </a:schemeClr>
+    </dgm:linClrLst>
+    <dgm:effectClrLst/>
+    <dgm:txLinClrLst/>
+    <dgm:txFillClrLst meth="repeat">
+      <a:schemeClr val="dk1"/>
+    </dgm:txFillClrLst>
+    <dgm:txEffectClrLst/>
+  </dgm:styleLbl>
+  <dgm:styleLbl name="fgAcc0">
+    <dgm:fillClrLst meth="repeat">
+      <a:schemeClr val="lt1">
+        <a:alpha val="90000"/>
+      </a:schemeClr>
+    </dgm:fillClrLst>
+    <dgm:linClrLst meth="repeat">
+      <a:schemeClr val="accent1"/>
+    </dgm:linClrLst>
+    <dgm:effectClrLst/>
+    <dgm:txLinClrLst/>
+    <dgm:txFillClrLst meth="repeat">
+      <a:schemeClr val="dk1"/>
+    </dgm:txFillClrLst>
+    <dgm:txEffectClrLst/>
+  </dgm:styleLbl>
+  <dgm:styleLbl name="fgAcc2">
+    <dgm:fillClrLst meth="repeat">
+      <a:schemeClr val="lt1">
+        <a:alpha val="90000"/>
+      </a:schemeClr>
+    </dgm:fillClrLst>
+    <dgm:linClrLst meth="repeat">
+      <a:schemeClr val="accent1"/>
+    </dgm:linClrLst>
+    <dgm:effectClrLst/>
+    <dgm:txLinClrLst/>
+    <dgm:txFillClrLst meth="repeat">
+      <a:schemeClr val="dk1"/>
+    </dgm:txFillClrLst>
+    <dgm:txEffectClrLst/>
+  </dgm:styleLbl>
+  <dgm:styleLbl name="fgAcc3">
+    <dgm:fillClrLst meth="repeat">
+      <a:schemeClr val="lt1">
+        <a:alpha val="90000"/>
+      </a:schemeClr>
+    </dgm:fillClrLst>
+    <dgm:linClrLst meth="repeat">
+      <a:schemeClr val="accent1"/>
+    </dgm:linClrLst>
+    <dgm:effectClrLst/>
+    <dgm:txLinClrLst/>
+    <dgm:txFillClrLst meth="repeat">
+      <a:schemeClr val="dk1"/>
+    </dgm:txFillClrLst>
+    <dgm:txEffectClrLst/>
+  </dgm:styleLbl>
+  <dgm:styleLbl name="fgAcc4">
+    <dgm:fillClrLst meth="repeat">
+      <a:schemeClr val="lt1">
+        <a:alpha val="90000"/>
+      </a:schemeClr>
+    </dgm:fillClrLst>
+    <dgm:linClrLst meth="repeat">
+      <a:schemeClr val="accent1"/>
+    </dgm:linClrLst>
+    <dgm:effectClrLst/>
+    <dgm:txLinClrLst/>
+    <dgm:txFillClrLst meth="repeat">
+      <a:schemeClr val="dk1"/>
+    </dgm:txFillClrLst>
+    <dgm:txEffectClrLst/>
+  </dgm:styleLbl>
+  <dgm:styleLbl name="bgShp">
+    <dgm:fillClrLst meth="repeat">
+      <a:schemeClr val="accent1">
+        <a:tint val="40000"/>
+      </a:schemeClr>
+    </dgm:fillClrLst>
+    <dgm:linClrLst meth="repeat">
+      <a:schemeClr val="accent1"/>
+    </dgm:linClrLst>
+    <dgm:effectClrLst/>
+    <dgm:txLinClrLst/>
+    <dgm:txFillClrLst meth="repeat">
+      <a:schemeClr val="dk1"/>
+    </dgm:txFillClrLst>
+    <dgm:txEffectClrLst/>
+  </dgm:styleLbl>
+  <dgm:styleLbl name="dkBgShp">
+    <dgm:fillClrLst meth="repeat">
+      <a:schemeClr val="accent1">
+        <a:shade val="80000"/>
+      </a:schemeClr>
+    </dgm:fillClrLst>
+    <dgm:linClrLst meth="repeat">
+      <a:schemeClr val="accent1"/>
+    </dgm:linClrLst>
+    <dgm:effectClrLst/>
+    <dgm:txLinClrLst/>
+    <dgm:txFillClrLst meth="repeat">
+      <a:schemeClr val="lt1"/>
+    </dgm:txFillClrLst>
+    <dgm:txEffectClrLst/>
+  </dgm:styleLbl>
+  <dgm:styleLbl name="trBgShp">
+    <dgm:fillClrLst meth="repeat">
+      <a:schemeClr val="accent1">
+        <a:tint val="50000"/>
+        <a:alpha val="40000"/>
+      </a:schemeClr>
+    </dgm:fillClrLst>
+    <dgm:linClrLst meth="repeat">
+      <a:schemeClr val="accent1"/>
+    </dgm:linClrLst>
+    <dgm:effectClrLst/>
+    <dgm:txLinClrLst/>
+    <dgm:txFillClrLst meth="repeat">
+      <a:schemeClr val="lt1"/>
+    </dgm:txFillClrLst>
+    <dgm:txEffectClrLst/>
+  </dgm:styleLbl>
+  <dgm:styleLbl name="fgShp">
+    <dgm:fillClrLst meth="repeat">
+      <a:schemeClr val="accent1">
+        <a:tint val="60000"/>
+      </a:schemeClr>
+    </dgm:fillClrLst>
+    <dgm:linClrLst meth="repeat">
+      <a:schemeClr val="lt1"/>
+    </dgm:linClrLst>
+    <dgm:effectClrLst/>
+    <dgm:txLinClrLst/>
+    <dgm:txFillClrLst meth="repeat">
+      <a:schemeClr val="dk1"/>
+    </dgm:txFillClrLst>
+    <dgm:txEffectClrLst/>
+  </dgm:styleLbl>
+  <dgm:styleLbl name="revTx">
+    <dgm:fillClrLst meth="repeat">
+      <a:schemeClr val="lt1">
+        <a:alpha val="0"/>
+      </a:schemeClr>
+    </dgm:fillClrLst>
+    <dgm:linClrLst meth="repeat">
+      <a:schemeClr val="dk1">
+        <a:alpha val="0"/>
+      </a:schemeClr>
+    </dgm:linClrLst>
+    <dgm:effectClrLst/>
+    <dgm:txLinClrLst/>
+    <dgm:txFillClrLst meth="repeat">
+      <a:schemeClr val="tx1"/>
+    </dgm:txFillClrLst>
+    <dgm:txEffectClrLst/>
+  </dgm:styleLbl>
+</dgm:colorsDef>
+</file>
+
+<file path=ppt/diagrams/colors5.xml><?xml version="1.0" encoding="utf-8"?>
 <dgm:colorsDef xmlns:dgm="http://schemas.openxmlformats.org/drawingml/2006/diagram" xmlns:a="http://schemas.openxmlformats.org/drawingml/2006/main" uniqueId="urn:microsoft.com/office/officeart/2005/8/colors/accent1_2">
   <dgm:title val=""/>
   <dgm:desc val=""/>
@@ -3264,6 +4012,43 @@
 </dgm:dataModel>
 </file>
 
+<file path=ppt/diagrams/data5.xml><?xml version="1.0" encoding="utf-8"?>
+<dgm:dataModel xmlns:dgm="http://schemas.openxmlformats.org/drawingml/2006/diagram" xmlns:a="http://schemas.openxmlformats.org/drawingml/2006/main">
+  <dgm:ptLst>
+    <dgm:pt modelId="{93DDA6AF-C56B-4892-A8F0-C9A7405CB4CF}" type="doc">
+      <dgm:prSet loTypeId="urn:microsoft.com/office/officeart/2005/8/layout/default" loCatId="list" qsTypeId="urn:microsoft.com/office/officeart/2005/8/quickstyle/simple1" qsCatId="simple" csTypeId="urn:microsoft.com/office/officeart/2005/8/colors/accent1_2" csCatId="accent1" phldr="1"/>
+      <dgm:spPr/>
+      <dgm:t>
+        <a:bodyPr/>
+        <a:lstStyle/>
+        <a:p>
+          <a:endParaRPr lang="en-US"/>
+        </a:p>
+      </dgm:t>
+    </dgm:pt>
+    <dgm:pt modelId="{EF2C7357-4A39-4914-83A0-95530D512B57}" type="pres">
+      <dgm:prSet presAssocID="{93DDA6AF-C56B-4892-A8F0-C9A7405CB4CF}" presName="diagram" presStyleCnt="0">
+        <dgm:presLayoutVars>
+          <dgm:dir/>
+          <dgm:resizeHandles val="exact"/>
+        </dgm:presLayoutVars>
+      </dgm:prSet>
+      <dgm:spPr/>
+    </dgm:pt>
+  </dgm:ptLst>
+  <dgm:cxnLst>
+    <dgm:cxn modelId="{AC79D577-14C5-416A-86C8-3EA8826B753E}" type="presOf" srcId="{93DDA6AF-C56B-4892-A8F0-C9A7405CB4CF}" destId="{EF2C7357-4A39-4914-83A0-95530D512B57}" srcOrd="0" destOrd="0" presId="urn:microsoft.com/office/officeart/2005/8/layout/default"/>
+  </dgm:cxnLst>
+  <dgm:bg/>
+  <dgm:whole/>
+  <dgm:extLst>
+    <a:ext uri="http://schemas.microsoft.com/office/drawing/2008/diagram">
+      <dsp:dataModelExt xmlns:dsp="http://schemas.microsoft.com/office/drawing/2008/diagram" relId="rId7" minVer="http://schemas.openxmlformats.org/drawingml/2006/diagram"/>
+    </a:ext>
+  </dgm:extLst>
+</dgm:dataModel>
+</file>
+
 <file path=ppt/diagrams/drawing1.xml><?xml version="1.0" encoding="utf-8"?>
 <dsp:drawing xmlns:dgm="http://schemas.openxmlformats.org/drawingml/2006/diagram" xmlns:dsp="http://schemas.microsoft.com/office/drawing/2008/diagram" xmlns:a="http://schemas.openxmlformats.org/drawingml/2006/main">
   <dsp:spTree>
@@ -3301,6 +4086,18 @@
 </file>
 
 <file path=ppt/diagrams/drawing4.xml><?xml version="1.0" encoding="utf-8"?>
+<dsp:drawing xmlns:dgm="http://schemas.openxmlformats.org/drawingml/2006/diagram" xmlns:dsp="http://schemas.microsoft.com/office/drawing/2008/diagram" xmlns:a="http://schemas.openxmlformats.org/drawingml/2006/main">
+  <dsp:spTree>
+    <dsp:nvGrpSpPr>
+      <dsp:cNvPr id="0" name=""/>
+      <dsp:cNvGrpSpPr/>
+    </dsp:nvGrpSpPr>
+    <dsp:grpSpPr/>
+  </dsp:spTree>
+</dsp:drawing>
+</file>
+
+<file path=ppt/diagrams/drawing5.xml><?xml version="1.0" encoding="utf-8"?>
 <dsp:drawing xmlns:dgm="http://schemas.openxmlformats.org/drawingml/2006/diagram" xmlns:dsp="http://schemas.microsoft.com/office/drawing/2008/diagram" xmlns:a="http://schemas.openxmlformats.org/drawingml/2006/main">
   <dsp:spTree>
     <dsp:nvGrpSpPr>
@@ -3900,6 +4697,153 @@
 </dgm:layoutDef>
 </file>
 
+<file path=ppt/diagrams/layout5.xml><?xml version="1.0" encoding="utf-8"?>
+<dgm:layoutDef xmlns:dgm="http://schemas.openxmlformats.org/drawingml/2006/diagram" xmlns:a="http://schemas.openxmlformats.org/drawingml/2006/main" uniqueId="urn:microsoft.com/office/officeart/2005/8/layout/default">
+  <dgm:title val=""/>
+  <dgm:desc val=""/>
+  <dgm:catLst>
+    <dgm:cat type="list" pri="400"/>
+  </dgm:catLst>
+  <dgm:sampData>
+    <dgm:dataModel>
+      <dgm:ptLst>
+        <dgm:pt modelId="0" type="doc"/>
+        <dgm:pt modelId="1">
+          <dgm:prSet phldr="1"/>
+        </dgm:pt>
+        <dgm:pt modelId="2">
+          <dgm:prSet phldr="1"/>
+        </dgm:pt>
+        <dgm:pt modelId="3">
+          <dgm:prSet phldr="1"/>
+        </dgm:pt>
+        <dgm:pt modelId="4">
+          <dgm:prSet phldr="1"/>
+        </dgm:pt>
+        <dgm:pt modelId="5">
+          <dgm:prSet phldr="1"/>
+        </dgm:pt>
+      </dgm:ptLst>
+      <dgm:cxnLst>
+        <dgm:cxn modelId="6" srcId="0" destId="1" srcOrd="0" destOrd="0"/>
+        <dgm:cxn modelId="7" srcId="0" destId="2" srcOrd="1" destOrd="0"/>
+        <dgm:cxn modelId="8" srcId="0" destId="3" srcOrd="2" destOrd="0"/>
+        <dgm:cxn modelId="9" srcId="0" destId="4" srcOrd="3" destOrd="0"/>
+        <dgm:cxn modelId="10" srcId="0" destId="5" srcOrd="4" destOrd="0"/>
+      </dgm:cxnLst>
+      <dgm:bg/>
+      <dgm:whole/>
+    </dgm:dataModel>
+  </dgm:sampData>
+  <dgm:styleData>
+    <dgm:dataModel>
+      <dgm:ptLst>
+        <dgm:pt modelId="0" type="doc"/>
+        <dgm:pt modelId="1"/>
+        <dgm:pt modelId="2"/>
+      </dgm:ptLst>
+      <dgm:cxnLst>
+        <dgm:cxn modelId="3" srcId="0" destId="1" srcOrd="0" destOrd="0"/>
+        <dgm:cxn modelId="4" srcId="0" destId="2" srcOrd="1" destOrd="0"/>
+      </dgm:cxnLst>
+      <dgm:bg/>
+      <dgm:whole/>
+    </dgm:dataModel>
+  </dgm:styleData>
+  <dgm:clrData>
+    <dgm:dataModel>
+      <dgm:ptLst>
+        <dgm:pt modelId="0" type="doc"/>
+        <dgm:pt modelId="1"/>
+        <dgm:pt modelId="2"/>
+        <dgm:pt modelId="3"/>
+        <dgm:pt modelId="4"/>
+        <dgm:pt modelId="5"/>
+        <dgm:pt modelId="6"/>
+      </dgm:ptLst>
+      <dgm:cxnLst>
+        <dgm:cxn modelId="7" srcId="0" destId="1" srcOrd="0" destOrd="0"/>
+        <dgm:cxn modelId="8" srcId="0" destId="2" srcOrd="1" destOrd="0"/>
+        <dgm:cxn modelId="9" srcId="0" destId="3" srcOrd="2" destOrd="0"/>
+        <dgm:cxn modelId="10" srcId="0" destId="4" srcOrd="3" destOrd="0"/>
+        <dgm:cxn modelId="11" srcId="0" destId="5" srcOrd="4" destOrd="0"/>
+        <dgm:cxn modelId="12" srcId="0" destId="6" srcOrd="5" destOrd="0"/>
+      </dgm:cxnLst>
+      <dgm:bg/>
+      <dgm:whole/>
+    </dgm:dataModel>
+  </dgm:clrData>
+  <dgm:layoutNode name="diagram">
+    <dgm:varLst>
+      <dgm:dir/>
+      <dgm:resizeHandles val="exact"/>
+    </dgm:varLst>
+    <dgm:choose name="Name0">
+      <dgm:if name="Name1" func="var" arg="dir" op="equ" val="norm">
+        <dgm:alg type="snake">
+          <dgm:param type="grDir" val="tL"/>
+          <dgm:param type="flowDir" val="row"/>
+          <dgm:param type="contDir" val="sameDir"/>
+          <dgm:param type="off" val="ctr"/>
+        </dgm:alg>
+      </dgm:if>
+      <dgm:else name="Name2">
+        <dgm:alg type="snake">
+          <dgm:param type="grDir" val="tR"/>
+          <dgm:param type="flowDir" val="row"/>
+          <dgm:param type="contDir" val="sameDir"/>
+          <dgm:param type="off" val="ctr"/>
+        </dgm:alg>
+      </dgm:else>
+    </dgm:choose>
+    <dgm:shape xmlns:r="http://schemas.openxmlformats.org/officeDocument/2006/relationships" r:blip="">
+      <dgm:adjLst/>
+    </dgm:shape>
+    <dgm:presOf/>
+    <dgm:constrLst>
+      <dgm:constr type="w" for="ch" forName="node" refType="w"/>
+      <dgm:constr type="h" for="ch" forName="node" refType="w" refFor="ch" refForName="node" fact="0.6"/>
+      <dgm:constr type="w" for="ch" forName="sibTrans" refType="w" refFor="ch" refForName="node" fact="0.1"/>
+      <dgm:constr type="sp" refType="w" refFor="ch" refForName="sibTrans"/>
+      <dgm:constr type="primFontSz" for="ch" forName="node" op="equ" val="65"/>
+    </dgm:constrLst>
+    <dgm:ruleLst/>
+    <dgm:forEach name="Name3" axis="ch" ptType="node">
+      <dgm:layoutNode name="node">
+        <dgm:varLst>
+          <dgm:bulletEnabled val="1"/>
+        </dgm:varLst>
+        <dgm:alg type="tx"/>
+        <dgm:shape xmlns:r="http://schemas.openxmlformats.org/officeDocument/2006/relationships" type="rect" r:blip="">
+          <dgm:adjLst/>
+        </dgm:shape>
+        <dgm:presOf axis="desOrSelf" ptType="node"/>
+        <dgm:constrLst>
+          <dgm:constr type="lMarg" refType="primFontSz" fact="0.3"/>
+          <dgm:constr type="rMarg" refType="primFontSz" fact="0.3"/>
+          <dgm:constr type="tMarg" refType="primFontSz" fact="0.3"/>
+          <dgm:constr type="bMarg" refType="primFontSz" fact="0.3"/>
+        </dgm:constrLst>
+        <dgm:ruleLst>
+          <dgm:rule type="primFontSz" val="5" fact="NaN" max="NaN"/>
+        </dgm:ruleLst>
+      </dgm:layoutNode>
+      <dgm:forEach name="Name4" axis="followSib" ptType="sibTrans" cnt="1">
+        <dgm:layoutNode name="sibTrans">
+          <dgm:alg type="sp"/>
+          <dgm:shape xmlns:r="http://schemas.openxmlformats.org/officeDocument/2006/relationships" r:blip="">
+            <dgm:adjLst/>
+          </dgm:shape>
+          <dgm:presOf/>
+          <dgm:constrLst/>
+          <dgm:ruleLst/>
+        </dgm:layoutNode>
+      </dgm:forEach>
+    </dgm:forEach>
+  </dgm:layoutNode>
+</dgm:layoutDef>
+</file>
+
 <file path=ppt/diagrams/quickStyle1.xml><?xml version="1.0" encoding="utf-8"?>
 <dgm:styleDef xmlns:dgm="http://schemas.openxmlformats.org/drawingml/2006/diagram" xmlns:a="http://schemas.openxmlformats.org/drawingml/2006/main" uniqueId="urn:microsoft.com/office/officeart/2005/8/quickstyle/simple1">
   <dgm:title val=""/>
@@ -7003,6 +7947,1040 @@
 </file>
 
 <file path=ppt/diagrams/quickStyle4.xml><?xml version="1.0" encoding="utf-8"?>
+<dgm:styleDef xmlns:dgm="http://schemas.openxmlformats.org/drawingml/2006/diagram" xmlns:a="http://schemas.openxmlformats.org/drawingml/2006/main" uniqueId="urn:microsoft.com/office/officeart/2005/8/quickstyle/simple1">
+  <dgm:title val=""/>
+  <dgm:desc val=""/>
+  <dgm:catLst>
+    <dgm:cat type="simple" pri="10100"/>
+  </dgm:catLst>
+  <dgm:scene3d>
+    <a:camera prst="orthographicFront"/>
+    <a:lightRig rig="threePt" dir="t"/>
+  </dgm:scene3d>
+  <dgm:styleLbl name="node0">
+    <dgm:scene3d>
+      <a:camera prst="orthographicFront"/>
+      <a:lightRig rig="threePt" dir="t"/>
+    </dgm:scene3d>
+    <dgm:sp3d/>
+    <dgm:txPr/>
+    <dgm:style>
+      <a:lnRef idx="2">
+        <a:scrgbClr r="0" g="0" b="0"/>
+      </a:lnRef>
+      <a:fillRef idx="1">
+        <a:scrgbClr r="0" g="0" b="0"/>
+      </a:fillRef>
+      <a:effectRef idx="0">
+        <a:scrgbClr r="0" g="0" b="0"/>
+      </a:effectRef>
+      <a:fontRef idx="minor">
+        <a:schemeClr val="lt1"/>
+      </a:fontRef>
+    </dgm:style>
+  </dgm:styleLbl>
+  <dgm:styleLbl name="lnNode1">
+    <dgm:scene3d>
+      <a:camera prst="orthographicFront"/>
+      <a:lightRig rig="threePt" dir="t"/>
+    </dgm:scene3d>
+    <dgm:sp3d/>
+    <dgm:txPr/>
+    <dgm:style>
+      <a:lnRef idx="2">
+        <a:scrgbClr r="0" g="0" b="0"/>
+      </a:lnRef>
+      <a:fillRef idx="1">
+        <a:scrgbClr r="0" g="0" b="0"/>
+      </a:fillRef>
+      <a:effectRef idx="0">
+        <a:scrgbClr r="0" g="0" b="0"/>
+      </a:effectRef>
+      <a:fontRef idx="minor">
+        <a:schemeClr val="lt1"/>
+      </a:fontRef>
+    </dgm:style>
+  </dgm:styleLbl>
+  <dgm:styleLbl name="vennNode1">
+    <dgm:scene3d>
+      <a:camera prst="orthographicFront"/>
+      <a:lightRig rig="threePt" dir="t"/>
+    </dgm:scene3d>
+    <dgm:sp3d/>
+    <dgm:txPr/>
+    <dgm:style>
+      <a:lnRef idx="2">
+        <a:scrgbClr r="0" g="0" b="0"/>
+      </a:lnRef>
+      <a:fillRef idx="1">
+        <a:scrgbClr r="0" g="0" b="0"/>
+      </a:fillRef>
+      <a:effectRef idx="0">
+        <a:scrgbClr r="0" g="0" b="0"/>
+      </a:effectRef>
+      <a:fontRef idx="minor">
+        <a:schemeClr val="tx1"/>
+      </a:fontRef>
+    </dgm:style>
+  </dgm:styleLbl>
+  <dgm:styleLbl name="alignNode1">
+    <dgm:scene3d>
+      <a:camera prst="orthographicFront"/>
+      <a:lightRig rig="threePt" dir="t"/>
+    </dgm:scene3d>
+    <dgm:sp3d/>
+    <dgm:txPr/>
+    <dgm:style>
+      <a:lnRef idx="2">
+        <a:scrgbClr r="0" g="0" b="0"/>
+      </a:lnRef>
+      <a:fillRef idx="1">
+        <a:scrgbClr r="0" g="0" b="0"/>
+      </a:fillRef>
+      <a:effectRef idx="0">
+        <a:scrgbClr r="0" g="0" b="0"/>
+      </a:effectRef>
+      <a:fontRef idx="minor">
+        <a:schemeClr val="lt1"/>
+      </a:fontRef>
+    </dgm:style>
+  </dgm:styleLbl>
+  <dgm:styleLbl name="node1">
+    <dgm:scene3d>
+      <a:camera prst="orthographicFront"/>
+      <a:lightRig rig="threePt" dir="t"/>
+    </dgm:scene3d>
+    <dgm:sp3d/>
+    <dgm:txPr/>
+    <dgm:style>
+      <a:lnRef idx="2">
+        <a:scrgbClr r="0" g="0" b="0"/>
+      </a:lnRef>
+      <a:fillRef idx="1">
+        <a:scrgbClr r="0" g="0" b="0"/>
+      </a:fillRef>
+      <a:effectRef idx="0">
+        <a:scrgbClr r="0" g="0" b="0"/>
+      </a:effectRef>
+      <a:fontRef idx="minor">
+        <a:schemeClr val="lt1"/>
+      </a:fontRef>
+    </dgm:style>
+  </dgm:styleLbl>
+  <dgm:styleLbl name="node2">
+    <dgm:scene3d>
+      <a:camera prst="orthographicFront"/>
+      <a:lightRig rig="threePt" dir="t"/>
+    </dgm:scene3d>
+    <dgm:sp3d/>
+    <dgm:txPr/>
+    <dgm:style>
+      <a:lnRef idx="2">
+        <a:scrgbClr r="0" g="0" b="0"/>
+      </a:lnRef>
+      <a:fillRef idx="1">
+        <a:scrgbClr r="0" g="0" b="0"/>
+      </a:fillRef>
+      <a:effectRef idx="0">
+        <a:scrgbClr r="0" g="0" b="0"/>
+      </a:effectRef>
+      <a:fontRef idx="minor">
+        <a:schemeClr val="lt1"/>
+      </a:fontRef>
+    </dgm:style>
+  </dgm:styleLbl>
+  <dgm:styleLbl name="node3">
+    <dgm:scene3d>
+      <a:camera prst="orthographicFront"/>
+      <a:lightRig rig="threePt" dir="t"/>
+    </dgm:scene3d>
+    <dgm:sp3d/>
+    <dgm:txPr/>
+    <dgm:style>
+      <a:lnRef idx="2">
+        <a:scrgbClr r="0" g="0" b="0"/>
+      </a:lnRef>
+      <a:fillRef idx="1">
+        <a:scrgbClr r="0" g="0" b="0"/>
+      </a:fillRef>
+      <a:effectRef idx="0">
+        <a:scrgbClr r="0" g="0" b="0"/>
+      </a:effectRef>
+      <a:fontRef idx="minor">
+        <a:schemeClr val="lt1"/>
+      </a:fontRef>
+    </dgm:style>
+  </dgm:styleLbl>
+  <dgm:styleLbl name="node4">
+    <dgm:scene3d>
+      <a:camera prst="orthographicFront"/>
+      <a:lightRig rig="threePt" dir="t"/>
+    </dgm:scene3d>
+    <dgm:sp3d/>
+    <dgm:txPr/>
+    <dgm:style>
+      <a:lnRef idx="2">
+        <a:scrgbClr r="0" g="0" b="0"/>
+      </a:lnRef>
+      <a:fillRef idx="1">
+        <a:scrgbClr r="0" g="0" b="0"/>
+      </a:fillRef>
+      <a:effectRef idx="0">
+        <a:scrgbClr r="0" g="0" b="0"/>
+      </a:effectRef>
+      <a:fontRef idx="minor">
+        <a:schemeClr val="lt1"/>
+      </a:fontRef>
+    </dgm:style>
+  </dgm:styleLbl>
+  <dgm:styleLbl name="fgImgPlace1">
+    <dgm:scene3d>
+      <a:camera prst="orthographicFront"/>
+      <a:lightRig rig="threePt" dir="t"/>
+    </dgm:scene3d>
+    <dgm:sp3d/>
+    <dgm:txPr/>
+    <dgm:style>
+      <a:lnRef idx="2">
+        <a:scrgbClr r="0" g="0" b="0"/>
+      </a:lnRef>
+      <a:fillRef idx="1">
+        <a:scrgbClr r="0" g="0" b="0"/>
+      </a:fillRef>
+      <a:effectRef idx="0">
+        <a:scrgbClr r="0" g="0" b="0"/>
+      </a:effectRef>
+      <a:fontRef idx="minor"/>
+    </dgm:style>
+  </dgm:styleLbl>
+  <dgm:styleLbl name="alignImgPlace1">
+    <dgm:scene3d>
+      <a:camera prst="orthographicFront"/>
+      <a:lightRig rig="threePt" dir="t"/>
+    </dgm:scene3d>
+    <dgm:sp3d/>
+    <dgm:txPr/>
+    <dgm:style>
+      <a:lnRef idx="2">
+        <a:scrgbClr r="0" g="0" b="0"/>
+      </a:lnRef>
+      <a:fillRef idx="1">
+        <a:scrgbClr r="0" g="0" b="0"/>
+      </a:fillRef>
+      <a:effectRef idx="0">
+        <a:scrgbClr r="0" g="0" b="0"/>
+      </a:effectRef>
+      <a:fontRef idx="minor"/>
+    </dgm:style>
+  </dgm:styleLbl>
+  <dgm:styleLbl name="bgImgPlace1">
+    <dgm:scene3d>
+      <a:camera prst="orthographicFront"/>
+      <a:lightRig rig="threePt" dir="t"/>
+    </dgm:scene3d>
+    <dgm:sp3d/>
+    <dgm:txPr/>
+    <dgm:style>
+      <a:lnRef idx="2">
+        <a:scrgbClr r="0" g="0" b="0"/>
+      </a:lnRef>
+      <a:fillRef idx="1">
+        <a:scrgbClr r="0" g="0" b="0"/>
+      </a:fillRef>
+      <a:effectRef idx="0">
+        <a:scrgbClr r="0" g="0" b="0"/>
+      </a:effectRef>
+      <a:fontRef idx="minor"/>
+    </dgm:style>
+  </dgm:styleLbl>
+  <dgm:styleLbl name="sibTrans2D1">
+    <dgm:scene3d>
+      <a:camera prst="orthographicFront"/>
+      <a:lightRig rig="threePt" dir="t"/>
+    </dgm:scene3d>
+    <dgm:sp3d/>
+    <dgm:txPr/>
+    <dgm:style>
+      <a:lnRef idx="0">
+        <a:scrgbClr r="0" g="0" b="0"/>
+      </a:lnRef>
+      <a:fillRef idx="1">
+        <a:scrgbClr r="0" g="0" b="0"/>
+      </a:fillRef>
+      <a:effectRef idx="0">
+        <a:scrgbClr r="0" g="0" b="0"/>
+      </a:effectRef>
+      <a:fontRef idx="minor">
+        <a:schemeClr val="lt1"/>
+      </a:fontRef>
+    </dgm:style>
+  </dgm:styleLbl>
+  <dgm:styleLbl name="fgSibTrans2D1">
+    <dgm:scene3d>
+      <a:camera prst="orthographicFront"/>
+      <a:lightRig rig="threePt" dir="t"/>
+    </dgm:scene3d>
+    <dgm:sp3d/>
+    <dgm:txPr/>
+    <dgm:style>
+      <a:lnRef idx="0">
+        <a:scrgbClr r="0" g="0" b="0"/>
+      </a:lnRef>
+      <a:fillRef idx="1">
+        <a:scrgbClr r="0" g="0" b="0"/>
+      </a:fillRef>
+      <a:effectRef idx="0">
+        <a:scrgbClr r="0" g="0" b="0"/>
+      </a:effectRef>
+      <a:fontRef idx="minor">
+        <a:schemeClr val="lt1"/>
+      </a:fontRef>
+    </dgm:style>
+  </dgm:styleLbl>
+  <dgm:styleLbl name="bgSibTrans2D1">
+    <dgm:scene3d>
+      <a:camera prst="orthographicFront"/>
+      <a:lightRig rig="threePt" dir="t"/>
+    </dgm:scene3d>
+    <dgm:sp3d/>
+    <dgm:txPr/>
+    <dgm:style>
+      <a:lnRef idx="0">
+        <a:scrgbClr r="0" g="0" b="0"/>
+      </a:lnRef>
+      <a:fillRef idx="1">
+        <a:scrgbClr r="0" g="0" b="0"/>
+      </a:fillRef>
+      <a:effectRef idx="0">
+        <a:scrgbClr r="0" g="0" b="0"/>
+      </a:effectRef>
+      <a:fontRef idx="minor">
+        <a:schemeClr val="lt1"/>
+      </a:fontRef>
+    </dgm:style>
+  </dgm:styleLbl>
+  <dgm:styleLbl name="sibTrans1D1">
+    <dgm:scene3d>
+      <a:camera prst="orthographicFront"/>
+      <a:lightRig rig="threePt" dir="t"/>
+    </dgm:scene3d>
+    <dgm:sp3d/>
+    <dgm:txPr/>
+    <dgm:style>
+      <a:lnRef idx="1">
+        <a:scrgbClr r="0" g="0" b="0"/>
+      </a:lnRef>
+      <a:fillRef idx="0">
+        <a:scrgbClr r="0" g="0" b="0"/>
+      </a:fillRef>
+      <a:effectRef idx="0">
+        <a:scrgbClr r="0" g="0" b="0"/>
+      </a:effectRef>
+      <a:fontRef idx="minor"/>
+    </dgm:style>
+  </dgm:styleLbl>
+  <dgm:styleLbl name="callout">
+    <dgm:scene3d>
+      <a:camera prst="orthographicFront"/>
+      <a:lightRig rig="threePt" dir="t"/>
+    </dgm:scene3d>
+    <dgm:sp3d/>
+    <dgm:txPr/>
+    <dgm:style>
+      <a:lnRef idx="2">
+        <a:scrgbClr r="0" g="0" b="0"/>
+      </a:lnRef>
+      <a:fillRef idx="1">
+        <a:scrgbClr r="0" g="0" b="0"/>
+      </a:fillRef>
+      <a:effectRef idx="0">
+        <a:scrgbClr r="0" g="0" b="0"/>
+      </a:effectRef>
+      <a:fontRef idx="minor"/>
+    </dgm:style>
+  </dgm:styleLbl>
+  <dgm:styleLbl name="asst0">
+    <dgm:scene3d>
+      <a:camera prst="orthographicFront"/>
+      <a:lightRig rig="threePt" dir="t"/>
+    </dgm:scene3d>
+    <dgm:sp3d/>
+    <dgm:txPr/>
+    <dgm:style>
+      <a:lnRef idx="2">
+        <a:scrgbClr r="0" g="0" b="0"/>
+      </a:lnRef>
+      <a:fillRef idx="1">
+        <a:scrgbClr r="0" g="0" b="0"/>
+      </a:fillRef>
+      <a:effectRef idx="0">
+        <a:scrgbClr r="0" g="0" b="0"/>
+      </a:effectRef>
+      <a:fontRef idx="minor">
+        <a:schemeClr val="lt1"/>
+      </a:fontRef>
+    </dgm:style>
+  </dgm:styleLbl>
+  <dgm:styleLbl name="asst1">
+    <dgm:scene3d>
+      <a:camera prst="orthographicFront"/>
+      <a:lightRig rig="threePt" dir="t"/>
+    </dgm:scene3d>
+    <dgm:sp3d/>
+    <dgm:txPr/>
+    <dgm:style>
+      <a:lnRef idx="2">
+        <a:scrgbClr r="0" g="0" b="0"/>
+      </a:lnRef>
+      <a:fillRef idx="1">
+        <a:scrgbClr r="0" g="0" b="0"/>
+      </a:fillRef>
+      <a:effectRef idx="0">
+        <a:scrgbClr r="0" g="0" b="0"/>
+      </a:effectRef>
+      <a:fontRef idx="minor">
+        <a:schemeClr val="lt1"/>
+      </a:fontRef>
+    </dgm:style>
+  </dgm:styleLbl>
+  <dgm:styleLbl name="asst2">
+    <dgm:scene3d>
+      <a:camera prst="orthographicFront"/>
+      <a:lightRig rig="threePt" dir="t"/>
+    </dgm:scene3d>
+    <dgm:sp3d/>
+    <dgm:txPr/>
+    <dgm:style>
+      <a:lnRef idx="2">
+        <a:scrgbClr r="0" g="0" b="0"/>
+      </a:lnRef>
+      <a:fillRef idx="1">
+        <a:scrgbClr r="0" g="0" b="0"/>
+      </a:fillRef>
+      <a:effectRef idx="0">
+        <a:scrgbClr r="0" g="0" b="0"/>
+      </a:effectRef>
+      <a:fontRef idx="minor">
+        <a:schemeClr val="lt1"/>
+      </a:fontRef>
+    </dgm:style>
+  </dgm:styleLbl>
+  <dgm:styleLbl name="asst3">
+    <dgm:scene3d>
+      <a:camera prst="orthographicFront"/>
+      <a:lightRig rig="threePt" dir="t"/>
+    </dgm:scene3d>
+    <dgm:sp3d/>
+    <dgm:txPr/>
+    <dgm:style>
+      <a:lnRef idx="2">
+        <a:scrgbClr r="0" g="0" b="0"/>
+      </a:lnRef>
+      <a:fillRef idx="1">
+        <a:scrgbClr r="0" g="0" b="0"/>
+      </a:fillRef>
+      <a:effectRef idx="0">
+        <a:scrgbClr r="0" g="0" b="0"/>
+      </a:effectRef>
+      <a:fontRef idx="minor">
+        <a:schemeClr val="lt1"/>
+      </a:fontRef>
+    </dgm:style>
+  </dgm:styleLbl>
+  <dgm:styleLbl name="asst4">
+    <dgm:scene3d>
+      <a:camera prst="orthographicFront"/>
+      <a:lightRig rig="threePt" dir="t"/>
+    </dgm:scene3d>
+    <dgm:sp3d/>
+    <dgm:txPr/>
+    <dgm:style>
+      <a:lnRef idx="2">
+        <a:scrgbClr r="0" g="0" b="0"/>
+      </a:lnRef>
+      <a:fillRef idx="1">
+        <a:scrgbClr r="0" g="0" b="0"/>
+      </a:fillRef>
+      <a:effectRef idx="0">
+        <a:scrgbClr r="0" g="0" b="0"/>
+      </a:effectRef>
+      <a:fontRef idx="minor">
+        <a:schemeClr val="lt1"/>
+      </a:fontRef>
+    </dgm:style>
+  </dgm:styleLbl>
+  <dgm:styleLbl name="parChTrans2D1">
+    <dgm:scene3d>
+      <a:camera prst="orthographicFront"/>
+      <a:lightRig rig="threePt" dir="t"/>
+    </dgm:scene3d>
+    <dgm:sp3d/>
+    <dgm:txPr/>
+    <dgm:style>
+      <a:lnRef idx="2">
+        <a:scrgbClr r="0" g="0" b="0"/>
+      </a:lnRef>
+      <a:fillRef idx="1">
+        <a:scrgbClr r="0" g="0" b="0"/>
+      </a:fillRef>
+      <a:effectRef idx="0">
+        <a:scrgbClr r="0" g="0" b="0"/>
+      </a:effectRef>
+      <a:fontRef idx="minor">
+        <a:schemeClr val="lt1"/>
+      </a:fontRef>
+    </dgm:style>
+  </dgm:styleLbl>
+  <dgm:styleLbl name="parChTrans2D2">
+    <dgm:scene3d>
+      <a:camera prst="orthographicFront"/>
+      <a:lightRig rig="threePt" dir="t"/>
+    </dgm:scene3d>
+    <dgm:sp3d/>
+    <dgm:txPr/>
+    <dgm:style>
+      <a:lnRef idx="2">
+        <a:scrgbClr r="0" g="0" b="0"/>
+      </a:lnRef>
+      <a:fillRef idx="1">
+        <a:scrgbClr r="0" g="0" b="0"/>
+      </a:fillRef>
+      <a:effectRef idx="0">
+        <a:scrgbClr r="0" g="0" b="0"/>
+      </a:effectRef>
+      <a:fontRef idx="minor">
+        <a:schemeClr val="lt1"/>
+      </a:fontRef>
+    </dgm:style>
+  </dgm:styleLbl>
+  <dgm:styleLbl name="parChTrans2D3">
+    <dgm:scene3d>
+      <a:camera prst="orthographicFront"/>
+      <a:lightRig rig="threePt" dir="t"/>
+    </dgm:scene3d>
+    <dgm:sp3d/>
+    <dgm:txPr/>
+    <dgm:style>
+      <a:lnRef idx="2">
+        <a:scrgbClr r="0" g="0" b="0"/>
+      </a:lnRef>
+      <a:fillRef idx="1">
+        <a:scrgbClr r="0" g="0" b="0"/>
+      </a:fillRef>
+      <a:effectRef idx="0">
+        <a:scrgbClr r="0" g="0" b="0"/>
+      </a:effectRef>
+      <a:fontRef idx="minor">
+        <a:schemeClr val="lt1"/>
+      </a:fontRef>
+    </dgm:style>
+  </dgm:styleLbl>
+  <dgm:styleLbl name="parChTrans2D4">
+    <dgm:scene3d>
+      <a:camera prst="orthographicFront"/>
+      <a:lightRig rig="threePt" dir="t"/>
+    </dgm:scene3d>
+    <dgm:sp3d/>
+    <dgm:txPr/>
+    <dgm:style>
+      <a:lnRef idx="2">
+        <a:scrgbClr r="0" g="0" b="0"/>
+      </a:lnRef>
+      <a:fillRef idx="1">
+        <a:scrgbClr r="0" g="0" b="0"/>
+      </a:fillRef>
+      <a:effectRef idx="0">
+        <a:scrgbClr r="0" g="0" b="0"/>
+      </a:effectRef>
+      <a:fontRef idx="minor">
+        <a:schemeClr val="lt1"/>
+      </a:fontRef>
+    </dgm:style>
+  </dgm:styleLbl>
+  <dgm:styleLbl name="parChTrans1D1">
+    <dgm:scene3d>
+      <a:camera prst="orthographicFront"/>
+      <a:lightRig rig="threePt" dir="t"/>
+    </dgm:scene3d>
+    <dgm:sp3d/>
+    <dgm:txPr/>
+    <dgm:style>
+      <a:lnRef idx="2">
+        <a:scrgbClr r="0" g="0" b="0"/>
+      </a:lnRef>
+      <a:fillRef idx="0">
+        <a:scrgbClr r="0" g="0" b="0"/>
+      </a:fillRef>
+      <a:effectRef idx="0">
+        <a:scrgbClr r="0" g="0" b="0"/>
+      </a:effectRef>
+      <a:fontRef idx="minor"/>
+    </dgm:style>
+  </dgm:styleLbl>
+  <dgm:styleLbl name="parChTrans1D2">
+    <dgm:scene3d>
+      <a:camera prst="orthographicFront"/>
+      <a:lightRig rig="threePt" dir="t"/>
+    </dgm:scene3d>
+    <dgm:sp3d/>
+    <dgm:txPr/>
+    <dgm:style>
+      <a:lnRef idx="2">
+        <a:scrgbClr r="0" g="0" b="0"/>
+      </a:lnRef>
+      <a:fillRef idx="0">
+        <a:scrgbClr r="0" g="0" b="0"/>
+      </a:fillRef>
+      <a:effectRef idx="0">
+        <a:scrgbClr r="0" g="0" b="0"/>
+      </a:effectRef>
+      <a:fontRef idx="minor"/>
+    </dgm:style>
+  </dgm:styleLbl>
+  <dgm:styleLbl name="parChTrans1D3">
+    <dgm:scene3d>
+      <a:camera prst="orthographicFront"/>
+      <a:lightRig rig="threePt" dir="t"/>
+    </dgm:scene3d>
+    <dgm:sp3d/>
+    <dgm:txPr/>
+    <dgm:style>
+      <a:lnRef idx="2">
+        <a:scrgbClr r="0" g="0" b="0"/>
+      </a:lnRef>
+      <a:fillRef idx="0">
+        <a:scrgbClr r="0" g="0" b="0"/>
+      </a:fillRef>
+      <a:effectRef idx="0">
+        <a:scrgbClr r="0" g="0" b="0"/>
+      </a:effectRef>
+      <a:fontRef idx="minor"/>
+    </dgm:style>
+  </dgm:styleLbl>
+  <dgm:styleLbl name="parChTrans1D4">
+    <dgm:scene3d>
+      <a:camera prst="orthographicFront"/>
+      <a:lightRig rig="threePt" dir="t"/>
+    </dgm:scene3d>
+    <dgm:sp3d/>
+    <dgm:txPr/>
+    <dgm:style>
+      <a:lnRef idx="2">
+        <a:scrgbClr r="0" g="0" b="0"/>
+      </a:lnRef>
+      <a:fillRef idx="0">
+        <a:scrgbClr r="0" g="0" b="0"/>
+      </a:fillRef>
+      <a:effectRef idx="0">
+        <a:scrgbClr r="0" g="0" b="0"/>
+      </a:effectRef>
+      <a:fontRef idx="minor"/>
+    </dgm:style>
+  </dgm:styleLbl>
+  <dgm:styleLbl name="fgAcc1">
+    <dgm:scene3d>
+      <a:camera prst="orthographicFront"/>
+      <a:lightRig rig="threePt" dir="t"/>
+    </dgm:scene3d>
+    <dgm:sp3d/>
+    <dgm:txPr/>
+    <dgm:style>
+      <a:lnRef idx="2">
+        <a:scrgbClr r="0" g="0" b="0"/>
+      </a:lnRef>
+      <a:fillRef idx="1">
+        <a:scrgbClr r="0" g="0" b="0"/>
+      </a:fillRef>
+      <a:effectRef idx="0">
+        <a:scrgbClr r="0" g="0" b="0"/>
+      </a:effectRef>
+      <a:fontRef idx="minor"/>
+    </dgm:style>
+  </dgm:styleLbl>
+  <dgm:styleLbl name="conFgAcc1">
+    <dgm:scene3d>
+      <a:camera prst="orthographicFront"/>
+      <a:lightRig rig="threePt" dir="t"/>
+    </dgm:scene3d>
+    <dgm:sp3d/>
+    <dgm:txPr/>
+    <dgm:style>
+      <a:lnRef idx="2">
+        <a:scrgbClr r="0" g="0" b="0"/>
+      </a:lnRef>
+      <a:fillRef idx="1">
+        <a:scrgbClr r="0" g="0" b="0"/>
+      </a:fillRef>
+      <a:effectRef idx="0">
+        <a:scrgbClr r="0" g="0" b="0"/>
+      </a:effectRef>
+      <a:fontRef idx="minor"/>
+    </dgm:style>
+  </dgm:styleLbl>
+  <dgm:styleLbl name="alignAcc1">
+    <dgm:scene3d>
+      <a:camera prst="orthographicFront"/>
+      <a:lightRig rig="threePt" dir="t"/>
+    </dgm:scene3d>
+    <dgm:sp3d/>
+    <dgm:txPr/>
+    <dgm:style>
+      <a:lnRef idx="2">
+        <a:scrgbClr r="0" g="0" b="0"/>
+      </a:lnRef>
+      <a:fillRef idx="1">
+        <a:scrgbClr r="0" g="0" b="0"/>
+      </a:fillRef>
+      <a:effectRef idx="0">
+        <a:scrgbClr r="0" g="0" b="0"/>
+      </a:effectRef>
+      <a:fontRef idx="minor"/>
+    </dgm:style>
+  </dgm:styleLbl>
+  <dgm:styleLbl name="trAlignAcc1">
+    <dgm:scene3d>
+      <a:camera prst="orthographicFront"/>
+      <a:lightRig rig="threePt" dir="t"/>
+    </dgm:scene3d>
+    <dgm:sp3d/>
+    <dgm:txPr/>
+    <dgm:style>
+      <a:lnRef idx="1">
+        <a:scrgbClr r="0" g="0" b="0"/>
+      </a:lnRef>
+      <a:fillRef idx="1">
+        <a:scrgbClr r="0" g="0" b="0"/>
+      </a:fillRef>
+      <a:effectRef idx="0">
+        <a:scrgbClr r="0" g="0" b="0"/>
+      </a:effectRef>
+      <a:fontRef idx="minor"/>
+    </dgm:style>
+  </dgm:styleLbl>
+  <dgm:styleLbl name="bgAcc1">
+    <dgm:scene3d>
+      <a:camera prst="orthographicFront"/>
+      <a:lightRig rig="threePt" dir="t"/>
+    </dgm:scene3d>
+    <dgm:sp3d/>
+    <dgm:txPr/>
+    <dgm:style>
+      <a:lnRef idx="2">
+        <a:scrgbClr r="0" g="0" b="0"/>
+      </a:lnRef>
+      <a:fillRef idx="1">
+        <a:scrgbClr r="0" g="0" b="0"/>
+      </a:fillRef>
+      <a:effectRef idx="0">
+        <a:scrgbClr r="0" g="0" b="0"/>
+      </a:effectRef>
+      <a:fontRef idx="minor"/>
+    </dgm:style>
+  </dgm:styleLbl>
+  <dgm:styleLbl name="solidFgAcc1">
+    <dgm:scene3d>
+      <a:camera prst="orthographicFront"/>
+      <a:lightRig rig="threePt" dir="t"/>
+    </dgm:scene3d>
+    <dgm:sp3d/>
+    <dgm:txPr/>
+    <dgm:style>
+      <a:lnRef idx="2">
+        <a:scrgbClr r="0" g="0" b="0"/>
+      </a:lnRef>
+      <a:fillRef idx="1">
+        <a:scrgbClr r="0" g="0" b="0"/>
+      </a:fillRef>
+      <a:effectRef idx="0">
+        <a:scrgbClr r="0" g="0" b="0"/>
+      </a:effectRef>
+      <a:fontRef idx="minor"/>
+    </dgm:style>
+  </dgm:styleLbl>
+  <dgm:styleLbl name="solidAlignAcc1">
+    <dgm:scene3d>
+      <a:camera prst="orthographicFront"/>
+      <a:lightRig rig="threePt" dir="t"/>
+    </dgm:scene3d>
+    <dgm:sp3d/>
+    <dgm:txPr/>
+    <dgm:style>
+      <a:lnRef idx="2">
+        <a:scrgbClr r="0" g="0" b="0"/>
+      </a:lnRef>
+      <a:fillRef idx="1">
+        <a:scrgbClr r="0" g="0" b="0"/>
+      </a:fillRef>
+      <a:effectRef idx="0">
+        <a:scrgbClr r="0" g="0" b="0"/>
+      </a:effectRef>
+      <a:fontRef idx="minor"/>
+    </dgm:style>
+  </dgm:styleLbl>
+  <dgm:styleLbl name="solidBgAcc1">
+    <dgm:scene3d>
+      <a:camera prst="orthographicFront"/>
+      <a:lightRig rig="threePt" dir="t"/>
+    </dgm:scene3d>
+    <dgm:sp3d/>
+    <dgm:txPr/>
+    <dgm:style>
+      <a:lnRef idx="2">
+        <a:scrgbClr r="0" g="0" b="0"/>
+      </a:lnRef>
+      <a:fillRef idx="1">
+        <a:scrgbClr r="0" g="0" b="0"/>
+      </a:fillRef>
+      <a:effectRef idx="0">
+        <a:scrgbClr r="0" g="0" b="0"/>
+      </a:effectRef>
+      <a:fontRef idx="minor"/>
+    </dgm:style>
+  </dgm:styleLbl>
+  <dgm:styleLbl name="fgAccFollowNode1">
+    <dgm:scene3d>
+      <a:camera prst="orthographicFront"/>
+      <a:lightRig rig="threePt" dir="t"/>
+    </dgm:scene3d>
+    <dgm:sp3d/>
+    <dgm:txPr/>
+    <dgm:style>
+      <a:lnRef idx="2">
+        <a:scrgbClr r="0" g="0" b="0"/>
+      </a:lnRef>
+      <a:fillRef idx="1">
+        <a:scrgbClr r="0" g="0" b="0"/>
+      </a:fillRef>
+      <a:effectRef idx="0">
+        <a:scrgbClr r="0" g="0" b="0"/>
+      </a:effectRef>
+      <a:fontRef idx="minor"/>
+    </dgm:style>
+  </dgm:styleLbl>
+  <dgm:styleLbl name="alignAccFollowNode1">
+    <dgm:scene3d>
+      <a:camera prst="orthographicFront"/>
+      <a:lightRig rig="threePt" dir="t"/>
+    </dgm:scene3d>
+    <dgm:sp3d/>
+    <dgm:txPr/>
+    <dgm:style>
+      <a:lnRef idx="2">
+        <a:scrgbClr r="0" g="0" b="0"/>
+      </a:lnRef>
+      <a:fillRef idx="1">
+        <a:scrgbClr r="0" g="0" b="0"/>
+      </a:fillRef>
+      <a:effectRef idx="0">
+        <a:scrgbClr r="0" g="0" b="0"/>
+      </a:effectRef>
+      <a:fontRef idx="minor"/>
+    </dgm:style>
+  </dgm:styleLbl>
+  <dgm:styleLbl name="bgAccFollowNode1">
+    <dgm:scene3d>
+      <a:camera prst="orthographicFront"/>
+      <a:lightRig rig="threePt" dir="t"/>
+    </dgm:scene3d>
+    <dgm:sp3d/>
+    <dgm:txPr/>
+    <dgm:style>
+      <a:lnRef idx="2">
+        <a:scrgbClr r="0" g="0" b="0"/>
+      </a:lnRef>
+      <a:fillRef idx="1">
+        <a:scrgbClr r="0" g="0" b="0"/>
+      </a:fillRef>
+      <a:effectRef idx="0">
+        <a:scrgbClr r="0" g="0" b="0"/>
+      </a:effectRef>
+      <a:fontRef idx="minor"/>
+    </dgm:style>
+  </dgm:styleLbl>
+  <dgm:styleLbl name="fgAcc0">
+    <dgm:scene3d>
+      <a:camera prst="orthographicFront"/>
+      <a:lightRig rig="threePt" dir="t"/>
+    </dgm:scene3d>
+    <dgm:sp3d/>
+    <dgm:txPr/>
+    <dgm:style>
+      <a:lnRef idx="2">
+        <a:scrgbClr r="0" g="0" b="0"/>
+      </a:lnRef>
+      <a:fillRef idx="1">
+        <a:scrgbClr r="0" g="0" b="0"/>
+      </a:fillRef>
+      <a:effectRef idx="0">
+        <a:scrgbClr r="0" g="0" b="0"/>
+      </a:effectRef>
+      <a:fontRef idx="minor"/>
+    </dgm:style>
+  </dgm:styleLbl>
+  <dgm:styleLbl name="fgAcc2">
+    <dgm:scene3d>
+      <a:camera prst="orthographicFront"/>
+      <a:lightRig rig="threePt" dir="t"/>
+    </dgm:scene3d>
+    <dgm:sp3d/>
+    <dgm:txPr/>
+    <dgm:style>
+      <a:lnRef idx="2">
+        <a:scrgbClr r="0" g="0" b="0"/>
+      </a:lnRef>
+      <a:fillRef idx="1">
+        <a:scrgbClr r="0" g="0" b="0"/>
+      </a:fillRef>
+      <a:effectRef idx="0">
+        <a:scrgbClr r="0" g="0" b="0"/>
+      </a:effectRef>
+      <a:fontRef idx="minor"/>
+    </dgm:style>
+  </dgm:styleLbl>
+  <dgm:styleLbl name="fgAcc3">
+    <dgm:scene3d>
+      <a:camera prst="orthographicFront"/>
+      <a:lightRig rig="threePt" dir="t"/>
+    </dgm:scene3d>
+    <dgm:sp3d/>
+    <dgm:txPr/>
+    <dgm:style>
+      <a:lnRef idx="2">
+        <a:scrgbClr r="0" g="0" b="0"/>
+      </a:lnRef>
+      <a:fillRef idx="1">
+        <a:scrgbClr r="0" g="0" b="0"/>
+      </a:fillRef>
+      <a:effectRef idx="0">
+        <a:scrgbClr r="0" g="0" b="0"/>
+      </a:effectRef>
+      <a:fontRef idx="minor"/>
+    </dgm:style>
+  </dgm:styleLbl>
+  <dgm:styleLbl name="fgAcc4">
+    <dgm:scene3d>
+      <a:camera prst="orthographicFront"/>
+      <a:lightRig rig="threePt" dir="t"/>
+    </dgm:scene3d>
+    <dgm:sp3d/>
+    <dgm:txPr/>
+    <dgm:style>
+      <a:lnRef idx="2">
+        <a:scrgbClr r="0" g="0" b="0"/>
+      </a:lnRef>
+      <a:fillRef idx="1">
+        <a:scrgbClr r="0" g="0" b="0"/>
+      </a:fillRef>
+      <a:effectRef idx="0">
+        <a:scrgbClr r="0" g="0" b="0"/>
+      </a:effectRef>
+      <a:fontRef idx="minor"/>
+    </dgm:style>
+  </dgm:styleLbl>
+  <dgm:styleLbl name="bgShp">
+    <dgm:scene3d>
+      <a:camera prst="orthographicFront"/>
+      <a:lightRig rig="threePt" dir="t"/>
+    </dgm:scene3d>
+    <dgm:sp3d/>
+    <dgm:txPr/>
+    <dgm:style>
+      <a:lnRef idx="0">
+        <a:scrgbClr r="0" g="0" b="0"/>
+      </a:lnRef>
+      <a:fillRef idx="1">
+        <a:scrgbClr r="0" g="0" b="0"/>
+      </a:fillRef>
+      <a:effectRef idx="0">
+        <a:scrgbClr r="0" g="0" b="0"/>
+      </a:effectRef>
+      <a:fontRef idx="minor"/>
+    </dgm:style>
+  </dgm:styleLbl>
+  <dgm:styleLbl name="dkBgShp">
+    <dgm:scene3d>
+      <a:camera prst="orthographicFront"/>
+      <a:lightRig rig="threePt" dir="t"/>
+    </dgm:scene3d>
+    <dgm:sp3d/>
+    <dgm:txPr/>
+    <dgm:style>
+      <a:lnRef idx="0">
+        <a:scrgbClr r="0" g="0" b="0"/>
+      </a:lnRef>
+      <a:fillRef idx="1">
+        <a:scrgbClr r="0" g="0" b="0"/>
+      </a:fillRef>
+      <a:effectRef idx="0">
+        <a:scrgbClr r="0" g="0" b="0"/>
+      </a:effectRef>
+      <a:fontRef idx="minor"/>
+    </dgm:style>
+  </dgm:styleLbl>
+  <dgm:styleLbl name="trBgShp">
+    <dgm:scene3d>
+      <a:camera prst="orthographicFront"/>
+      <a:lightRig rig="threePt" dir="t"/>
+    </dgm:scene3d>
+    <dgm:sp3d/>
+    <dgm:txPr/>
+    <dgm:style>
+      <a:lnRef idx="0">
+        <a:scrgbClr r="0" g="0" b="0"/>
+      </a:lnRef>
+      <a:fillRef idx="1">
+        <a:scrgbClr r="0" g="0" b="0"/>
+      </a:fillRef>
+      <a:effectRef idx="0">
+        <a:scrgbClr r="0" g="0" b="0"/>
+      </a:effectRef>
+      <a:fontRef idx="minor"/>
+    </dgm:style>
+  </dgm:styleLbl>
+  <dgm:styleLbl name="fgShp">
+    <dgm:scene3d>
+      <a:camera prst="orthographicFront"/>
+      <a:lightRig rig="threePt" dir="t"/>
+    </dgm:scene3d>
+    <dgm:sp3d/>
+    <dgm:txPr/>
+    <dgm:style>
+      <a:lnRef idx="2">
+        <a:scrgbClr r="0" g="0" b="0"/>
+      </a:lnRef>
+      <a:fillRef idx="1">
+        <a:scrgbClr r="0" g="0" b="0"/>
+      </a:fillRef>
+      <a:effectRef idx="0">
+        <a:scrgbClr r="0" g="0" b="0"/>
+      </a:effectRef>
+      <a:fontRef idx="minor"/>
+    </dgm:style>
+  </dgm:styleLbl>
+  <dgm:styleLbl name="revTx">
+    <dgm:scene3d>
+      <a:camera prst="orthographicFront"/>
+      <a:lightRig rig="threePt" dir="t"/>
+    </dgm:scene3d>
+    <dgm:sp3d/>
+    <dgm:txPr/>
+    <dgm:style>
+      <a:lnRef idx="0">
+        <a:scrgbClr r="0" g="0" b="0"/>
+      </a:lnRef>
+      <a:fillRef idx="0">
+        <a:scrgbClr r="0" g="0" b="0"/>
+      </a:fillRef>
+      <a:effectRef idx="0">
+        <a:scrgbClr r="0" g="0" b="0"/>
+      </a:effectRef>
+      <a:fontRef idx="minor"/>
+    </dgm:style>
+  </dgm:styleLbl>
+</dgm:styleDef>
+</file>
+
+<file path=ppt/diagrams/quickStyle5.xml><?xml version="1.0" encoding="utf-8"?>
 <dgm:styleDef xmlns:dgm="http://schemas.openxmlformats.org/drawingml/2006/diagram" xmlns:a="http://schemas.openxmlformats.org/drawingml/2006/main" uniqueId="urn:microsoft.com/office/officeart/2005/8/quickstyle/simple1">
   <dgm:title val=""/>
   <dgm:desc val=""/>
@@ -8118,7 +10096,7 @@
           <a:p>
             <a:fld id="{EA391C54-F203-4DF0-8342-3550D87753A4}" type="datetimeFigureOut">
               <a:rPr lang="de-CH" smtClean="0"/>
-              <a:t>21.04.2022</a:t>
+              <a:t>24.04.2022</a:t>
             </a:fld>
             <a:endParaRPr lang="de-CH"/>
           </a:p>
@@ -9327,7 +11305,45 @@
           <a:p>
             <a:r>
               <a:rPr lang="de-CH" dirty="0"/>
-              <a:t>Response sind entweder Daten oder Fehlermeldung</a:t>
+              <a:t>Bei </a:t>
+            </a:r>
+            <a:r>
+              <a:rPr lang="de-CH" dirty="0" err="1"/>
+              <a:t>React</a:t>
+            </a:r>
+            <a:r>
+              <a:rPr lang="de-CH" dirty="0"/>
+              <a:t> mit JSX direkt HTML in JavaScript Datei,</a:t>
+            </a:r>
+          </a:p>
+          <a:p>
+            <a:r>
+              <a:rPr lang="de-CH" dirty="0"/>
+              <a:t>In Angular ist .</a:t>
+            </a:r>
+            <a:r>
+              <a:rPr lang="de-CH" dirty="0" err="1"/>
+              <a:t>html</a:t>
+            </a:r>
+            <a:r>
+              <a:rPr lang="de-CH" dirty="0"/>
+              <a:t> und .</a:t>
+            </a:r>
+            <a:r>
+              <a:rPr lang="de-CH" dirty="0" err="1"/>
+              <a:t>js</a:t>
+            </a:r>
+            <a:r>
+              <a:rPr lang="de-CH" dirty="0"/>
+              <a:t> </a:t>
+            </a:r>
+            <a:r>
+              <a:rPr lang="de-CH" dirty="0" err="1"/>
+              <a:t>files</a:t>
+            </a:r>
+            <a:r>
+              <a:rPr lang="de-CH" dirty="0"/>
+              <a:t> notwendig</a:t>
             </a:r>
           </a:p>
         </p:txBody>
@@ -9349,7 +11365,94 @@
           <a:p>
             <a:fld id="{C0B4BF0F-BB0A-481E-9136-B3B79A182DD0}" type="slidenum">
               <a:rPr lang="de-CH" smtClean="0"/>
-              <a:t>13</a:t>
+              <a:t>12</a:t>
+            </a:fld>
+            <a:endParaRPr lang="de-CH"/>
+          </a:p>
+        </p:txBody>
+      </p:sp>
+    </p:spTree>
+    <p:extLst>
+      <p:ext uri="{BB962C8B-B14F-4D97-AF65-F5344CB8AC3E}">
+        <p14:creationId xmlns:p14="http://schemas.microsoft.com/office/powerpoint/2010/main" val="3312802645"/>
+      </p:ext>
+    </p:extLst>
+  </p:cSld>
+  <p:clrMapOvr>
+    <a:masterClrMapping/>
+  </p:clrMapOvr>
+</p:notes>
+</file>
+
+<file path=ppt/notesSlides/notesSlide9.xml><?xml version="1.0" encoding="utf-8"?>
+<p:notes xmlns:a="http://schemas.openxmlformats.org/drawingml/2006/main" xmlns:r="http://schemas.openxmlformats.org/officeDocument/2006/relationships" xmlns:p="http://schemas.openxmlformats.org/presentationml/2006/main">
+  <p:cSld>
+    <p:spTree>
+      <p:nvGrpSpPr>
+        <p:cNvPr id="1" name=""/>
+        <p:cNvGrpSpPr/>
+        <p:nvPr/>
+      </p:nvGrpSpPr>
+      <p:grpSpPr>
+        <a:xfrm>
+          <a:off x="0" y="0"/>
+          <a:ext cx="0" cy="0"/>
+          <a:chOff x="0" y="0"/>
+          <a:chExt cx="0" cy="0"/>
+        </a:xfrm>
+      </p:grpSpPr>
+      <p:sp>
+        <p:nvSpPr>
+          <p:cNvPr id="2" name="Folienbildplatzhalter 1"/>
+          <p:cNvSpPr>
+            <a:spLocks noGrp="1" noRot="1" noChangeAspect="1"/>
+          </p:cNvSpPr>
+          <p:nvPr>
+            <p:ph type="sldImg"/>
+          </p:nvPr>
+        </p:nvSpPr>
+        <p:spPr/>
+      </p:sp>
+      <p:sp>
+        <p:nvSpPr>
+          <p:cNvPr id="3" name="Notizenplatzhalter 2"/>
+          <p:cNvSpPr>
+            <a:spLocks noGrp="1"/>
+          </p:cNvSpPr>
+          <p:nvPr>
+            <p:ph type="body" idx="1"/>
+          </p:nvPr>
+        </p:nvSpPr>
+        <p:spPr/>
+        <p:txBody>
+          <a:bodyPr/>
+          <a:lstStyle/>
+          <a:p>
+            <a:r>
+              <a:rPr lang="de-CH" dirty="0"/>
+              <a:t>Response sind entweder Daten oder Fehlermeldung</a:t>
+            </a:r>
+          </a:p>
+        </p:txBody>
+      </p:sp>
+      <p:sp>
+        <p:nvSpPr>
+          <p:cNvPr id="4" name="Foliennummernplatzhalter 3"/>
+          <p:cNvSpPr>
+            <a:spLocks noGrp="1"/>
+          </p:cNvSpPr>
+          <p:nvPr>
+            <p:ph type="sldNum" sz="quarter" idx="5"/>
+          </p:nvPr>
+        </p:nvSpPr>
+        <p:spPr/>
+        <p:txBody>
+          <a:bodyPr/>
+          <a:lstStyle/>
+          <a:p>
+            <a:fld id="{C0B4BF0F-BB0A-481E-9136-B3B79A182DD0}" type="slidenum">
+              <a:rPr lang="de-CH" smtClean="0"/>
+              <a:t>14</a:t>
             </a:fld>
             <a:endParaRPr lang="de-CH"/>
           </a:p>
@@ -9594,7 +11697,7 @@
           <a:p>
             <a:fld id="{90486293-654D-4FA0-9D72-B90BF46330C7}" type="datetimeFigureOut">
               <a:rPr lang="de-CH" smtClean="0"/>
-              <a:t>21.04.2022</a:t>
+              <a:t>24.04.2022</a:t>
             </a:fld>
             <a:endParaRPr lang="de-CH"/>
           </a:p>
@@ -9805,7 +11908,7 @@
           <a:p>
             <a:fld id="{90486293-654D-4FA0-9D72-B90BF46330C7}" type="datetimeFigureOut">
               <a:rPr lang="de-CH" smtClean="0"/>
-              <a:t>21.04.2022</a:t>
+              <a:t>24.04.2022</a:t>
             </a:fld>
             <a:endParaRPr lang="de-CH"/>
           </a:p>
@@ -10064,7 +12167,7 @@
           <a:p>
             <a:fld id="{90486293-654D-4FA0-9D72-B90BF46330C7}" type="datetimeFigureOut">
               <a:rPr lang="de-CH" smtClean="0"/>
-              <a:t>21.04.2022</a:t>
+              <a:t>24.04.2022</a:t>
             </a:fld>
             <a:endParaRPr lang="de-CH"/>
           </a:p>
@@ -10241,7 +12344,7 @@
           <a:p>
             <a:fld id="{90486293-654D-4FA0-9D72-B90BF46330C7}" type="datetimeFigureOut">
               <a:rPr lang="de-CH" smtClean="0"/>
-              <a:t>21.04.2022</a:t>
+              <a:t>24.04.2022</a:t>
             </a:fld>
             <a:endParaRPr lang="de-CH"/>
           </a:p>
@@ -10587,7 +12690,7 @@
           <a:p>
             <a:fld id="{90486293-654D-4FA0-9D72-B90BF46330C7}" type="datetimeFigureOut">
               <a:rPr lang="de-CH" smtClean="0"/>
-              <a:t>21.04.2022</a:t>
+              <a:t>24.04.2022</a:t>
             </a:fld>
             <a:endParaRPr lang="de-CH"/>
           </a:p>
@@ -10865,7 +12968,7 @@
           <a:p>
             <a:fld id="{90486293-654D-4FA0-9D72-B90BF46330C7}" type="datetimeFigureOut">
               <a:rPr lang="de-CH" smtClean="0"/>
-              <a:t>21.04.2022</a:t>
+              <a:t>24.04.2022</a:t>
             </a:fld>
             <a:endParaRPr lang="de-CH"/>
           </a:p>
@@ -11247,7 +13350,7 @@
           <a:p>
             <a:fld id="{90486293-654D-4FA0-9D72-B90BF46330C7}" type="datetimeFigureOut">
               <a:rPr lang="de-CH" smtClean="0"/>
-              <a:t>21.04.2022</a:t>
+              <a:t>24.04.2022</a:t>
             </a:fld>
             <a:endParaRPr lang="de-CH"/>
           </a:p>
@@ -11368,7 +13471,7 @@
           <a:p>
             <a:fld id="{90486293-654D-4FA0-9D72-B90BF46330C7}" type="datetimeFigureOut">
               <a:rPr lang="de-CH" smtClean="0"/>
-              <a:t>21.04.2022</a:t>
+              <a:t>24.04.2022</a:t>
             </a:fld>
             <a:endParaRPr lang="de-CH"/>
           </a:p>
@@ -11542,7 +13645,7 @@
           <a:p>
             <a:fld id="{90486293-654D-4FA0-9D72-B90BF46330C7}" type="datetimeFigureOut">
               <a:rPr lang="de-CH" smtClean="0"/>
-              <a:t>21.04.2022</a:t>
+              <a:t>24.04.2022</a:t>
             </a:fld>
             <a:endParaRPr lang="de-CH"/>
           </a:p>
@@ -11899,7 +14002,7 @@
           <a:p>
             <a:fld id="{90486293-654D-4FA0-9D72-B90BF46330C7}" type="datetimeFigureOut">
               <a:rPr lang="de-CH" smtClean="0"/>
-              <a:t>21.04.2022</a:t>
+              <a:t>24.04.2022</a:t>
             </a:fld>
             <a:endParaRPr lang="de-CH"/>
           </a:p>
@@ -12284,7 +14387,7 @@
           <a:p>
             <a:fld id="{90486293-654D-4FA0-9D72-B90BF46330C7}" type="datetimeFigureOut">
               <a:rPr lang="de-CH" smtClean="0"/>
-              <a:t>21.04.2022</a:t>
+              <a:t>24.04.2022</a:t>
             </a:fld>
             <a:endParaRPr lang="de-CH"/>
           </a:p>
@@ -12574,7 +14677,7 @@
           <a:p>
             <a:fld id="{90486293-654D-4FA0-9D72-B90BF46330C7}" type="datetimeFigureOut">
               <a:rPr lang="de-CH" smtClean="0"/>
-              <a:t>21.04.2022</a:t>
+              <a:t>24.04.2022</a:t>
             </a:fld>
             <a:endParaRPr lang="de-CH"/>
           </a:p>
@@ -13498,7 +15601,7 @@
                   </a:schemeClr>
                 </a:solidFill>
               </a:rPr>
-              <a:t>Javascript</a:t>
+              <a:t>Typescript</a:t>
             </a:r>
             <a:r>
               <a:rPr lang="de-CH" sz="2400" dirty="0">
@@ -13879,6 +15982,578 @@
           <p:cNvPr id="2" name="Titel 1">
             <a:extLst>
               <a:ext uri="{FF2B5EF4-FFF2-40B4-BE49-F238E27FC236}">
+                <a16:creationId xmlns:a16="http://schemas.microsoft.com/office/drawing/2014/main" id="{8DE7B213-6F92-4042-8D37-D7EC8FE68A4A}"/>
+              </a:ext>
+            </a:extLst>
+          </p:cNvPr>
+          <p:cNvSpPr>
+            <a:spLocks noGrp="1"/>
+          </p:cNvSpPr>
+          <p:nvPr>
+            <p:ph type="title"/>
+          </p:nvPr>
+        </p:nvSpPr>
+        <p:spPr>
+          <a:xfrm>
+            <a:off x="1097280" y="286603"/>
+            <a:ext cx="10058400" cy="1450757"/>
+          </a:xfrm>
+        </p:spPr>
+        <p:txBody>
+          <a:bodyPr>
+            <a:normAutofit/>
+          </a:bodyPr>
+          <a:lstStyle/>
+          <a:p>
+            <a:r>
+              <a:rPr lang="de-CH" dirty="0" err="1"/>
+              <a:t>ReactJS</a:t>
+            </a:r>
+            <a:r>
+              <a:rPr lang="de-CH" dirty="0"/>
+              <a:t> vs. Angular</a:t>
+            </a:r>
+          </a:p>
+        </p:txBody>
+      </p:sp>
+      <p:graphicFrame>
+        <p:nvGraphicFramePr>
+          <p:cNvPr id="5" name="Inhaltsplatzhalter 2">
+            <a:extLst>
+              <a:ext uri="{FF2B5EF4-FFF2-40B4-BE49-F238E27FC236}">
+                <a16:creationId xmlns:a16="http://schemas.microsoft.com/office/drawing/2014/main" id="{78B7FB17-5B86-8D50-77D2-1F235EA48C28}"/>
+              </a:ext>
+            </a:extLst>
+          </p:cNvPr>
+          <p:cNvGraphicFramePr>
+            <a:graphicFrameLocks noGrp="1"/>
+          </p:cNvGraphicFramePr>
+          <p:nvPr>
+            <p:ph idx="1"/>
+            <p:extLst>
+              <p:ext uri="{D42A27DB-BD31-4B8C-83A1-F6EECF244321}">
+                <p14:modId xmlns:p14="http://schemas.microsoft.com/office/powerpoint/2010/main" val="1451221553"/>
+              </p:ext>
+            </p:extLst>
+          </p:nvPr>
+        </p:nvGraphicFramePr>
+        <p:xfrm>
+          <a:off x="1096963" y="2098515"/>
+          <a:ext cx="10058400" cy="3786080"/>
+        </p:xfrm>
+        <a:graphic>
+          <a:graphicData uri="http://schemas.openxmlformats.org/drawingml/2006/diagram">
+            <dgm:relIds xmlns:dgm="http://schemas.openxmlformats.org/drawingml/2006/diagram" xmlns:r="http://schemas.openxmlformats.org/officeDocument/2006/relationships" r:dm="rId3" r:lo="rId4" r:qs="rId5" r:cs="rId6"/>
+          </a:graphicData>
+        </a:graphic>
+      </p:graphicFrame>
+      <p:sp>
+        <p:nvSpPr>
+          <p:cNvPr id="11" name="Textfeld 10">
+            <a:extLst>
+              <a:ext uri="{FF2B5EF4-FFF2-40B4-BE49-F238E27FC236}">
+                <a16:creationId xmlns:a16="http://schemas.microsoft.com/office/drawing/2014/main" id="{76E4C653-DE61-4654-9881-78005E476230}"/>
+              </a:ext>
+            </a:extLst>
+          </p:cNvPr>
+          <p:cNvSpPr txBox="1"/>
+          <p:nvPr/>
+        </p:nvSpPr>
+        <p:spPr>
+          <a:xfrm>
+            <a:off x="1096963" y="2884305"/>
+            <a:ext cx="4404946" cy="1569660"/>
+          </a:xfrm>
+          <a:prstGeom prst="rect">
+            <a:avLst/>
+          </a:prstGeom>
+          <a:noFill/>
+          <a:ln>
+            <a:noFill/>
+          </a:ln>
+        </p:spPr>
+        <p:txBody>
+          <a:bodyPr wrap="square" rtlCol="0">
+            <a:spAutoFit/>
+          </a:bodyPr>
+          <a:lstStyle/>
+          <a:p>
+            <a:pPr marL="285750" indent="-285750">
+              <a:buFont typeface="Arial" panose="020B0604020202020204" pitchFamily="34" charset="0"/>
+              <a:buChar char="•"/>
+            </a:pPr>
+            <a:r>
+              <a:rPr lang="de-CH" sz="2400" dirty="0">
+                <a:solidFill>
+                  <a:schemeClr val="bg1">
+                    <a:lumMod val="65000"/>
+                  </a:schemeClr>
+                </a:solidFill>
+              </a:rPr>
+              <a:t>Library</a:t>
+            </a:r>
+          </a:p>
+          <a:p>
+            <a:pPr marL="285750" indent="-285750">
+              <a:buFont typeface="Arial" panose="020B0604020202020204" pitchFamily="34" charset="0"/>
+              <a:buChar char="•"/>
+            </a:pPr>
+            <a:r>
+              <a:rPr lang="de-CH" sz="2400" dirty="0" err="1">
+                <a:solidFill>
+                  <a:schemeClr val="bg1">
+                    <a:lumMod val="65000"/>
+                  </a:schemeClr>
+                </a:solidFill>
+              </a:rPr>
+              <a:t>Javascript</a:t>
+            </a:r>
+            <a:r>
+              <a:rPr lang="de-CH" sz="2400" dirty="0">
+                <a:solidFill>
+                  <a:schemeClr val="bg1">
+                    <a:lumMod val="65000"/>
+                  </a:schemeClr>
+                </a:solidFill>
+              </a:rPr>
+              <a:t> + JSX</a:t>
+            </a:r>
+          </a:p>
+          <a:p>
+            <a:pPr marL="285750" indent="-285750">
+              <a:buFont typeface="Arial" panose="020B0604020202020204" pitchFamily="34" charset="0"/>
+              <a:buChar char="•"/>
+            </a:pPr>
+            <a:r>
+              <a:rPr lang="de-CH" sz="2400" dirty="0" err="1">
+                <a:solidFill>
+                  <a:schemeClr val="bg1">
+                    <a:lumMod val="65000"/>
+                  </a:schemeClr>
+                </a:solidFill>
+              </a:rPr>
+              <a:t>One-way</a:t>
+            </a:r>
+            <a:r>
+              <a:rPr lang="de-CH" sz="2400" dirty="0">
+                <a:solidFill>
+                  <a:schemeClr val="bg1">
+                    <a:lumMod val="65000"/>
+                  </a:schemeClr>
+                </a:solidFill>
+              </a:rPr>
+              <a:t> </a:t>
+            </a:r>
+            <a:r>
+              <a:rPr lang="de-CH" sz="2400" dirty="0" err="1">
+                <a:solidFill>
+                  <a:schemeClr val="bg1">
+                    <a:lumMod val="65000"/>
+                  </a:schemeClr>
+                </a:solidFill>
+              </a:rPr>
+              <a:t>data</a:t>
+            </a:r>
+            <a:r>
+              <a:rPr lang="de-CH" sz="2400" dirty="0">
+                <a:solidFill>
+                  <a:schemeClr val="bg1">
+                    <a:lumMod val="65000"/>
+                  </a:schemeClr>
+                </a:solidFill>
+              </a:rPr>
+              <a:t> </a:t>
+            </a:r>
+            <a:r>
+              <a:rPr lang="de-CH" sz="2400" dirty="0" err="1">
+                <a:solidFill>
+                  <a:schemeClr val="bg1">
+                    <a:lumMod val="65000"/>
+                  </a:schemeClr>
+                </a:solidFill>
+              </a:rPr>
+              <a:t>binding</a:t>
+            </a:r>
+            <a:endParaRPr lang="de-CH" sz="2400" dirty="0">
+              <a:solidFill>
+                <a:schemeClr val="bg1">
+                  <a:lumMod val="65000"/>
+                </a:schemeClr>
+              </a:solidFill>
+            </a:endParaRPr>
+          </a:p>
+          <a:p>
+            <a:pPr marL="285750" indent="-285750">
+              <a:buFont typeface="Arial" panose="020B0604020202020204" pitchFamily="34" charset="0"/>
+              <a:buChar char="•"/>
+            </a:pPr>
+            <a:r>
+              <a:rPr lang="de-CH" sz="2400" dirty="0"/>
+              <a:t>Virtual DOM</a:t>
+            </a:r>
+          </a:p>
+        </p:txBody>
+      </p:sp>
+      <p:sp>
+        <p:nvSpPr>
+          <p:cNvPr id="13" name="Textfeld 12">
+            <a:extLst>
+              <a:ext uri="{FF2B5EF4-FFF2-40B4-BE49-F238E27FC236}">
+                <a16:creationId xmlns:a16="http://schemas.microsoft.com/office/drawing/2014/main" id="{1335893B-445F-4B4B-A36B-70109F3949EA}"/>
+              </a:ext>
+            </a:extLst>
+          </p:cNvPr>
+          <p:cNvSpPr txBox="1"/>
+          <p:nvPr/>
+        </p:nvSpPr>
+        <p:spPr>
+          <a:xfrm>
+            <a:off x="6750417" y="2881418"/>
+            <a:ext cx="4404946" cy="1569660"/>
+          </a:xfrm>
+          <a:prstGeom prst="rect">
+            <a:avLst/>
+          </a:prstGeom>
+          <a:noFill/>
+          <a:ln>
+            <a:noFill/>
+          </a:ln>
+        </p:spPr>
+        <p:txBody>
+          <a:bodyPr wrap="square" rtlCol="0">
+            <a:spAutoFit/>
+          </a:bodyPr>
+          <a:lstStyle/>
+          <a:p>
+            <a:pPr marL="285750" indent="-285750">
+              <a:buFont typeface="Arial" panose="020B0604020202020204" pitchFamily="34" charset="0"/>
+              <a:buChar char="•"/>
+            </a:pPr>
+            <a:r>
+              <a:rPr lang="de-CH" sz="2400" dirty="0">
+                <a:solidFill>
+                  <a:schemeClr val="bg1">
+                    <a:lumMod val="65000"/>
+                  </a:schemeClr>
+                </a:solidFill>
+              </a:rPr>
+              <a:t>Framework</a:t>
+            </a:r>
+          </a:p>
+          <a:p>
+            <a:pPr marL="285750" indent="-285750">
+              <a:buFont typeface="Arial" panose="020B0604020202020204" pitchFamily="34" charset="0"/>
+              <a:buChar char="•"/>
+            </a:pPr>
+            <a:r>
+              <a:rPr lang="de-CH" sz="2400" dirty="0" err="1">
+                <a:solidFill>
+                  <a:schemeClr val="bg1">
+                    <a:lumMod val="65000"/>
+                  </a:schemeClr>
+                </a:solidFill>
+              </a:rPr>
+              <a:t>Typescript</a:t>
+            </a:r>
+            <a:r>
+              <a:rPr lang="de-CH" sz="2400" dirty="0">
+                <a:solidFill>
+                  <a:schemeClr val="bg1">
+                    <a:lumMod val="65000"/>
+                  </a:schemeClr>
+                </a:solidFill>
+              </a:rPr>
+              <a:t> + HTML</a:t>
+            </a:r>
+          </a:p>
+          <a:p>
+            <a:pPr marL="285750" indent="-285750">
+              <a:buFont typeface="Arial" panose="020B0604020202020204" pitchFamily="34" charset="0"/>
+              <a:buChar char="•"/>
+            </a:pPr>
+            <a:r>
+              <a:rPr lang="de-CH" sz="2400" dirty="0">
+                <a:solidFill>
+                  <a:schemeClr val="bg1">
+                    <a:lumMod val="65000"/>
+                  </a:schemeClr>
+                </a:solidFill>
+              </a:rPr>
+              <a:t>2-Way </a:t>
+            </a:r>
+            <a:r>
+              <a:rPr lang="de-CH" sz="2400" dirty="0" err="1">
+                <a:solidFill>
+                  <a:schemeClr val="bg1">
+                    <a:lumMod val="65000"/>
+                  </a:schemeClr>
+                </a:solidFill>
+              </a:rPr>
+              <a:t>data</a:t>
+            </a:r>
+            <a:r>
+              <a:rPr lang="de-CH" sz="2400" dirty="0">
+                <a:solidFill>
+                  <a:schemeClr val="bg1">
+                    <a:lumMod val="65000"/>
+                  </a:schemeClr>
+                </a:solidFill>
+              </a:rPr>
+              <a:t> </a:t>
+            </a:r>
+            <a:r>
+              <a:rPr lang="de-CH" sz="2400" dirty="0" err="1">
+                <a:solidFill>
+                  <a:schemeClr val="bg1">
+                    <a:lumMod val="65000"/>
+                  </a:schemeClr>
+                </a:solidFill>
+              </a:rPr>
+              <a:t>binding</a:t>
+            </a:r>
+            <a:endParaRPr lang="de-CH" sz="2400" dirty="0">
+              <a:solidFill>
+                <a:schemeClr val="bg1">
+                  <a:lumMod val="65000"/>
+                </a:schemeClr>
+              </a:solidFill>
+            </a:endParaRPr>
+          </a:p>
+          <a:p>
+            <a:pPr marL="285750" indent="-285750">
+              <a:buFont typeface="Arial" panose="020B0604020202020204" pitchFamily="34" charset="0"/>
+              <a:buChar char="•"/>
+            </a:pPr>
+            <a:r>
+              <a:rPr lang="de-CH" sz="2400" dirty="0" err="1"/>
+              <a:t>Incremental</a:t>
+            </a:r>
+            <a:r>
+              <a:rPr lang="de-CH" sz="2400" dirty="0"/>
+              <a:t> DOM</a:t>
+            </a:r>
+          </a:p>
+        </p:txBody>
+      </p:sp>
+      <p:pic>
+        <p:nvPicPr>
+          <p:cNvPr id="4" name="Grafik 3">
+            <a:extLst>
+              <a:ext uri="{FF2B5EF4-FFF2-40B4-BE49-F238E27FC236}">
+                <a16:creationId xmlns:a16="http://schemas.microsoft.com/office/drawing/2014/main" id="{9AAEF963-5677-4562-A5F0-CB3F90976B1C}"/>
+              </a:ext>
+            </a:extLst>
+          </p:cNvPr>
+          <p:cNvPicPr>
+            <a:picLocks noChangeAspect="1"/>
+          </p:cNvPicPr>
+          <p:nvPr/>
+        </p:nvPicPr>
+        <p:blipFill>
+          <a:blip r:embed="rId8"/>
+          <a:stretch>
+            <a:fillRect/>
+          </a:stretch>
+        </p:blipFill>
+        <p:spPr>
+          <a:xfrm>
+            <a:off x="2266074" y="1993813"/>
+            <a:ext cx="2066723" cy="634039"/>
+          </a:xfrm>
+          <a:prstGeom prst="rect">
+            <a:avLst/>
+          </a:prstGeom>
+        </p:spPr>
+      </p:pic>
+      <p:pic>
+        <p:nvPicPr>
+          <p:cNvPr id="8" name="Grafik 7">
+            <a:extLst>
+              <a:ext uri="{FF2B5EF4-FFF2-40B4-BE49-F238E27FC236}">
+                <a16:creationId xmlns:a16="http://schemas.microsoft.com/office/drawing/2014/main" id="{3A27FF86-7747-4A5A-9FA8-51403F884D81}"/>
+              </a:ext>
+            </a:extLst>
+          </p:cNvPr>
+          <p:cNvPicPr>
+            <a:picLocks noChangeAspect="1"/>
+          </p:cNvPicPr>
+          <p:nvPr/>
+        </p:nvPicPr>
+        <p:blipFill>
+          <a:blip r:embed="rId9"/>
+          <a:stretch>
+            <a:fillRect/>
+          </a:stretch>
+        </p:blipFill>
+        <p:spPr>
+          <a:xfrm>
+            <a:off x="7608948" y="1993812"/>
+            <a:ext cx="2316978" cy="634038"/>
+          </a:xfrm>
+          <a:prstGeom prst="rect">
+            <a:avLst/>
+          </a:prstGeom>
+        </p:spPr>
+      </p:pic>
+      <p:sp>
+        <p:nvSpPr>
+          <p:cNvPr id="3" name="Textfeld 2">
+            <a:extLst>
+              <a:ext uri="{FF2B5EF4-FFF2-40B4-BE49-F238E27FC236}">
+                <a16:creationId xmlns:a16="http://schemas.microsoft.com/office/drawing/2014/main" id="{847ABA29-9C08-47A1-8092-64DA52963B4E}"/>
+              </a:ext>
+            </a:extLst>
+          </p:cNvPr>
+          <p:cNvSpPr txBox="1"/>
+          <p:nvPr/>
+        </p:nvSpPr>
+        <p:spPr>
+          <a:xfrm>
+            <a:off x="1178169" y="4558667"/>
+            <a:ext cx="4917831" cy="1938992"/>
+          </a:xfrm>
+          <a:prstGeom prst="rect">
+            <a:avLst/>
+          </a:prstGeom>
+          <a:noFill/>
+        </p:spPr>
+        <p:txBody>
+          <a:bodyPr wrap="square" rtlCol="0">
+            <a:spAutoFit/>
+          </a:bodyPr>
+          <a:lstStyle/>
+          <a:p>
+            <a:r>
+              <a:rPr lang="de-CH" sz="2400" dirty="0">
+                <a:solidFill>
+                  <a:srgbClr val="00B050"/>
+                </a:solidFill>
+              </a:rPr>
+              <a:t>Pros: Einfach zu lernen, schnell, populär, flexibel</a:t>
+            </a:r>
+          </a:p>
+          <a:p>
+            <a:r>
+              <a:rPr lang="de-CH" sz="2400" dirty="0" err="1">
+                <a:solidFill>
+                  <a:srgbClr val="FF0000"/>
+                </a:solidFill>
+              </a:rPr>
+              <a:t>Cons</a:t>
+            </a:r>
+            <a:r>
+              <a:rPr lang="de-CH" sz="2400" dirty="0">
+                <a:solidFill>
+                  <a:srgbClr val="FF0000"/>
+                </a:solidFill>
+              </a:rPr>
+              <a:t>: Betrifft nur UI, unvollständige Dokumentation </a:t>
+            </a:r>
+          </a:p>
+          <a:p>
+            <a:endParaRPr lang="de-CH" sz="2400" dirty="0">
+              <a:solidFill>
+                <a:srgbClr val="FF0000"/>
+              </a:solidFill>
+            </a:endParaRPr>
+          </a:p>
+        </p:txBody>
+      </p:sp>
+      <p:sp>
+        <p:nvSpPr>
+          <p:cNvPr id="9" name="Textfeld 8">
+            <a:extLst>
+              <a:ext uri="{FF2B5EF4-FFF2-40B4-BE49-F238E27FC236}">
+                <a16:creationId xmlns:a16="http://schemas.microsoft.com/office/drawing/2014/main" id="{1EB8E535-CA20-41FF-B32B-098D5B3B8B37}"/>
+              </a:ext>
+            </a:extLst>
+          </p:cNvPr>
+          <p:cNvSpPr txBox="1"/>
+          <p:nvPr/>
+        </p:nvSpPr>
+        <p:spPr>
+          <a:xfrm>
+            <a:off x="6750417" y="4555780"/>
+            <a:ext cx="4917831" cy="1569660"/>
+          </a:xfrm>
+          <a:prstGeom prst="rect">
+            <a:avLst/>
+          </a:prstGeom>
+          <a:noFill/>
+        </p:spPr>
+        <p:txBody>
+          <a:bodyPr wrap="square" rtlCol="0">
+            <a:spAutoFit/>
+          </a:bodyPr>
+          <a:lstStyle/>
+          <a:p>
+            <a:r>
+              <a:rPr lang="de-CH" sz="2400" dirty="0">
+                <a:solidFill>
+                  <a:srgbClr val="00B050"/>
+                </a:solidFill>
+              </a:rPr>
+              <a:t>Pros: «komplettes Packet», Routing Service </a:t>
+            </a:r>
+          </a:p>
+          <a:p>
+            <a:r>
+              <a:rPr lang="de-CH" sz="2400" dirty="0" err="1">
+                <a:solidFill>
+                  <a:srgbClr val="FF0000"/>
+                </a:solidFill>
+              </a:rPr>
+              <a:t>Cons</a:t>
+            </a:r>
+            <a:r>
+              <a:rPr lang="de-CH" sz="2400" dirty="0">
+                <a:solidFill>
+                  <a:srgbClr val="FF0000"/>
+                </a:solidFill>
+              </a:rPr>
+              <a:t>: steile Lernkurve, komplex eingeschränkt </a:t>
+            </a:r>
+          </a:p>
+        </p:txBody>
+      </p:sp>
+    </p:spTree>
+    <p:extLst>
+      <p:ext uri="{BB962C8B-B14F-4D97-AF65-F5344CB8AC3E}">
+        <p14:creationId xmlns:p14="http://schemas.microsoft.com/office/powerpoint/2010/main" val="812497509"/>
+      </p:ext>
+    </p:extLst>
+  </p:cSld>
+  <p:clrMapOvr>
+    <a:masterClrMapping/>
+  </p:clrMapOvr>
+  <p:transition spd="slow">
+    <p:push dir="u"/>
+  </p:transition>
+</p:sld>
+</file>
+
+<file path=ppt/slides/slide13.xml><?xml version="1.0" encoding="utf-8"?>
+<p:sld xmlns:a="http://schemas.openxmlformats.org/drawingml/2006/main" xmlns:r="http://schemas.openxmlformats.org/officeDocument/2006/relationships" xmlns:p="http://schemas.openxmlformats.org/presentationml/2006/main">
+  <p:cSld>
+    <p:spTree>
+      <p:nvGrpSpPr>
+        <p:cNvPr id="1" name=""/>
+        <p:cNvGrpSpPr/>
+        <p:nvPr/>
+      </p:nvGrpSpPr>
+      <p:grpSpPr>
+        <a:xfrm>
+          <a:off x="0" y="0"/>
+          <a:ext cx="0" cy="0"/>
+          <a:chOff x="0" y="0"/>
+          <a:chExt cx="0" cy="0"/>
+        </a:xfrm>
+      </p:grpSpPr>
+      <p:sp>
+        <p:nvSpPr>
+          <p:cNvPr id="2" name="Titel 1">
+            <a:extLst>
+              <a:ext uri="{FF2B5EF4-FFF2-40B4-BE49-F238E27FC236}">
                 <a16:creationId xmlns:a16="http://schemas.microsoft.com/office/drawing/2014/main" id="{692D61A1-000D-4531-85E9-8053993922CA}"/>
               </a:ext>
             </a:extLst>
@@ -14019,7 +16694,7 @@
 </p:sld>
 </file>
 
-<file path=ppt/slides/slide13.xml><?xml version="1.0" encoding="utf-8"?>
+<file path=ppt/slides/slide14.xml><?xml version="1.0" encoding="utf-8"?>
 <p:sld xmlns:a="http://schemas.openxmlformats.org/drawingml/2006/main" xmlns:r="http://schemas.openxmlformats.org/officeDocument/2006/relationships" xmlns:p="http://schemas.openxmlformats.org/presentationml/2006/main">
   <p:cSld>
     <p:spTree>
@@ -14176,7 +16851,15 @@
                   </a:extLst>
                 </a:hlinkClick>
               </a:rPr>
-              <a:t>https://search.eonum.ch/</a:t>
+              <a:t>https://search.eonum.ch/documentation</a:t>
+            </a:r>
+            <a:r>
+              <a:rPr lang="de-CH" dirty="0">
+                <a:solidFill>
+                  <a:srgbClr val="00B0F0"/>
+                </a:solidFill>
+              </a:rPr>
+              <a:t> </a:t>
             </a:r>
             <a:r>
               <a:rPr lang="de-CH" dirty="0"/>
@@ -14273,7 +16956,7 @@
 </p:sld>
 </file>
 
-<file path=ppt/slides/slide14.xml><?xml version="1.0" encoding="utf-8"?>
+<file path=ppt/slides/slide15.xml><?xml version="1.0" encoding="utf-8"?>
 <p:sld xmlns:a="http://schemas.openxmlformats.org/drawingml/2006/main" xmlns:r="http://schemas.openxmlformats.org/officeDocument/2006/relationships" xmlns:p="http://schemas.openxmlformats.org/presentationml/2006/main">
   <p:cSld>
     <p:bg>
@@ -15561,7 +18244,7 @@
             </a:pPr>
             <a:r>
               <a:rPr lang="de-CH" sz="2400" dirty="0" err="1"/>
-              <a:t>Javascript</a:t>
+              <a:t>Typescript</a:t>
             </a:r>
             <a:r>
               <a:rPr lang="de-CH" sz="2400" dirty="0"/>
